--- a/02/00__DATA515_02_JupyterPython.pptx
+++ b/02/00__DATA515_02_JupyterPython.pptx
@@ -1,23 +1,23 @@
 
 <file path=ppt/presentation.xml><?xml version="1.0" encoding="utf-8"?>
-<p:presentation xmlns:a="http://schemas.openxmlformats.org/drawingml/2006/main" xmlns:r="http://schemas.openxmlformats.org/officeDocument/2006/relationships" xmlns:mc="http://schemas.openxmlformats.org/markup-compatibility/2006" xmlns:mv="urn:schemas-microsoft-com:mac:vml" xmlns:p="http://schemas.openxmlformats.org/presentationml/2006/main" xmlns:c="http://schemas.openxmlformats.org/drawingml/2006/chart" xmlns:dgm="http://schemas.openxmlformats.org/drawingml/2006/diagram" xmlns:o="urn:schemas-microsoft-com:office:office" xmlns:v="urn:schemas-microsoft-com:vml" xmlns:pvml="urn:schemas-microsoft-com:office:powerpoint" xmlns:com="http://schemas.openxmlformats.org/drawingml/2006/compatibility" xmlns:p14="http://schemas.microsoft.com/office/powerpoint/2010/main" xmlns:p15="http://schemas.microsoft.com/office/powerpoint/2012/main" xmlns:ahyp="http://schemas.microsoft.com/office/drawing/2018/hyperlinkcolor" autoCompressPictures="0" strictFirstAndLastChars="0" saveSubsetFonts="1">
+<p:presentation xmlns:a="http://schemas.openxmlformats.org/drawingml/2006/main" xmlns:r="http://schemas.openxmlformats.org/officeDocument/2006/relationships" xmlns:p="http://schemas.openxmlformats.org/presentationml/2006/main" strictFirstAndLastChars="0" saveSubsetFonts="1" autoCompressPictures="0">
   <p:sldMasterIdLst>
-    <p:sldMasterId id="2147483659" r:id="rId4"/>
+    <p:sldMasterId id="2147483659" r:id="rId1"/>
   </p:sldMasterIdLst>
   <p:notesMasterIdLst>
-    <p:notesMasterId r:id="rId5"/>
+    <p:notesMasterId r:id="rId7"/>
   </p:notesMasterIdLst>
   <p:sldIdLst>
-    <p:sldId id="256" r:id="rId6"/>
-    <p:sldId id="257" r:id="rId7"/>
-    <p:sldId id="258" r:id="rId8"/>
-    <p:sldId id="259" r:id="rId9"/>
-    <p:sldId id="260" r:id="rId10"/>
+    <p:sldId id="256" r:id="rId2"/>
+    <p:sldId id="257" r:id="rId3"/>
+    <p:sldId id="258" r:id="rId4"/>
+    <p:sldId id="259" r:id="rId5"/>
+    <p:sldId id="260" r:id="rId6"/>
   </p:sldIdLst>
-  <p:sldSz cy="5143500" cx="9144000"/>
+  <p:sldSz cx="9144000" cy="5143500" type="screen16x9"/>
   <p:notesSz cx="6858000" cy="9144000"/>
   <p:defaultTextStyle>
-    <a:defPPr lvl="0" marR="0" rtl="0" algn="l">
+    <a:defPPr marR="0" lvl="0" algn="l" rtl="0">
       <a:lnSpc>
         <a:spcPct val="100000"/>
       </a:lnSpc>
@@ -28,7 +28,7 @@
         <a:spcPts val="0"/>
       </a:spcAft>
     </a:defPPr>
-    <a:lvl1pPr lvl="0" marR="0" rtl="0" algn="l">
+    <a:lvl1pPr marR="0" lvl="0" algn="l" rtl="0">
       <a:lnSpc>
         <a:spcPct val="100000"/>
       </a:lnSpc>
@@ -42,7 +42,7 @@
         <a:srgbClr val="000000"/>
       </a:buClr>
       <a:buFont typeface="Arial"/>
-      <a:defRPr b="0" i="0" sz="1400" u="none" cap="none" strike="noStrike">
+      <a:defRPr sz="1400" b="0" i="0" u="none" strike="noStrike" cap="none">
         <a:solidFill>
           <a:srgbClr val="000000"/>
         </a:solidFill>
@@ -52,7 +52,7 @@
         <a:sym typeface="Arial"/>
       </a:defRPr>
     </a:lvl1pPr>
-    <a:lvl2pPr lvl="1" marR="0" rtl="0" algn="l">
+    <a:lvl2pPr marR="0" lvl="1" algn="l" rtl="0">
       <a:lnSpc>
         <a:spcPct val="100000"/>
       </a:lnSpc>
@@ -66,7 +66,7 @@
         <a:srgbClr val="000000"/>
       </a:buClr>
       <a:buFont typeface="Arial"/>
-      <a:defRPr b="0" i="0" sz="1400" u="none" cap="none" strike="noStrike">
+      <a:defRPr sz="1400" b="0" i="0" u="none" strike="noStrike" cap="none">
         <a:solidFill>
           <a:srgbClr val="000000"/>
         </a:solidFill>
@@ -76,7 +76,7 @@
         <a:sym typeface="Arial"/>
       </a:defRPr>
     </a:lvl2pPr>
-    <a:lvl3pPr lvl="2" marR="0" rtl="0" algn="l">
+    <a:lvl3pPr marR="0" lvl="2" algn="l" rtl="0">
       <a:lnSpc>
         <a:spcPct val="100000"/>
       </a:lnSpc>
@@ -90,7 +90,7 @@
         <a:srgbClr val="000000"/>
       </a:buClr>
       <a:buFont typeface="Arial"/>
-      <a:defRPr b="0" i="0" sz="1400" u="none" cap="none" strike="noStrike">
+      <a:defRPr sz="1400" b="0" i="0" u="none" strike="noStrike" cap="none">
         <a:solidFill>
           <a:srgbClr val="000000"/>
         </a:solidFill>
@@ -100,7 +100,7 @@
         <a:sym typeface="Arial"/>
       </a:defRPr>
     </a:lvl3pPr>
-    <a:lvl4pPr lvl="3" marR="0" rtl="0" algn="l">
+    <a:lvl4pPr marR="0" lvl="3" algn="l" rtl="0">
       <a:lnSpc>
         <a:spcPct val="100000"/>
       </a:lnSpc>
@@ -114,7 +114,7 @@
         <a:srgbClr val="000000"/>
       </a:buClr>
       <a:buFont typeface="Arial"/>
-      <a:defRPr b="0" i="0" sz="1400" u="none" cap="none" strike="noStrike">
+      <a:defRPr sz="1400" b="0" i="0" u="none" strike="noStrike" cap="none">
         <a:solidFill>
           <a:srgbClr val="000000"/>
         </a:solidFill>
@@ -124,7 +124,7 @@
         <a:sym typeface="Arial"/>
       </a:defRPr>
     </a:lvl4pPr>
-    <a:lvl5pPr lvl="4" marR="0" rtl="0" algn="l">
+    <a:lvl5pPr marR="0" lvl="4" algn="l" rtl="0">
       <a:lnSpc>
         <a:spcPct val="100000"/>
       </a:lnSpc>
@@ -138,7 +138,7 @@
         <a:srgbClr val="000000"/>
       </a:buClr>
       <a:buFont typeface="Arial"/>
-      <a:defRPr b="0" i="0" sz="1400" u="none" cap="none" strike="noStrike">
+      <a:defRPr sz="1400" b="0" i="0" u="none" strike="noStrike" cap="none">
         <a:solidFill>
           <a:srgbClr val="000000"/>
         </a:solidFill>
@@ -148,7 +148,7 @@
         <a:sym typeface="Arial"/>
       </a:defRPr>
     </a:lvl5pPr>
-    <a:lvl6pPr lvl="5" marR="0" rtl="0" algn="l">
+    <a:lvl6pPr marR="0" lvl="5" algn="l" rtl="0">
       <a:lnSpc>
         <a:spcPct val="100000"/>
       </a:lnSpc>
@@ -162,7 +162,7 @@
         <a:srgbClr val="000000"/>
       </a:buClr>
       <a:buFont typeface="Arial"/>
-      <a:defRPr b="0" i="0" sz="1400" u="none" cap="none" strike="noStrike">
+      <a:defRPr sz="1400" b="0" i="0" u="none" strike="noStrike" cap="none">
         <a:solidFill>
           <a:srgbClr val="000000"/>
         </a:solidFill>
@@ -172,7 +172,7 @@
         <a:sym typeface="Arial"/>
       </a:defRPr>
     </a:lvl6pPr>
-    <a:lvl7pPr lvl="6" marR="0" rtl="0" algn="l">
+    <a:lvl7pPr marR="0" lvl="6" algn="l" rtl="0">
       <a:lnSpc>
         <a:spcPct val="100000"/>
       </a:lnSpc>
@@ -186,7 +186,7 @@
         <a:srgbClr val="000000"/>
       </a:buClr>
       <a:buFont typeface="Arial"/>
-      <a:defRPr b="0" i="0" sz="1400" u="none" cap="none" strike="noStrike">
+      <a:defRPr sz="1400" b="0" i="0" u="none" strike="noStrike" cap="none">
         <a:solidFill>
           <a:srgbClr val="000000"/>
         </a:solidFill>
@@ -196,7 +196,7 @@
         <a:sym typeface="Arial"/>
       </a:defRPr>
     </a:lvl7pPr>
-    <a:lvl8pPr lvl="7" marR="0" rtl="0" algn="l">
+    <a:lvl8pPr marR="0" lvl="7" algn="l" rtl="0">
       <a:lnSpc>
         <a:spcPct val="100000"/>
       </a:lnSpc>
@@ -210,7 +210,7 @@
         <a:srgbClr val="000000"/>
       </a:buClr>
       <a:buFont typeface="Arial"/>
-      <a:defRPr b="0" i="0" sz="1400" u="none" cap="none" strike="noStrike">
+      <a:defRPr sz="1400" b="0" i="0" u="none" strike="noStrike" cap="none">
         <a:solidFill>
           <a:srgbClr val="000000"/>
         </a:solidFill>
@@ -220,7 +220,7 @@
         <a:sym typeface="Arial"/>
       </a:defRPr>
     </a:lvl8pPr>
-    <a:lvl9pPr lvl="8" marR="0" rtl="0" algn="l">
+    <a:lvl9pPr marR="0" lvl="8" algn="l" rtl="0">
       <a:lnSpc>
         <a:spcPct val="100000"/>
       </a:lnSpc>
@@ -234,7 +234,7 @@
         <a:srgbClr val="000000"/>
       </a:buClr>
       <a:buFont typeface="Arial"/>
-      <a:defRPr b="0" i="0" sz="1400" u="none" cap="none" strike="noStrike">
+      <a:defRPr sz="1400" b="0" i="0" u="none" strike="noStrike" cap="none">
         <a:solidFill>
           <a:srgbClr val="000000"/>
         </a:solidFill>
@@ -247,7 +247,7 @@
   </p:defaultTextStyle>
   <p:extLst>
     <p:ext uri="{EFAFB233-063F-42B5-8137-9DF3F51BA10A}">
-      <p15:sldGuideLst>
+      <p15:sldGuideLst xmlns:p15="http://schemas.microsoft.com/office/powerpoint/2012/main">
         <p15:guide id="1" orient="horz" pos="1620">
           <p15:clr>
             <a:srgbClr val="A4A3A4"/>
@@ -265,11 +265,16 @@
 </file>
 
 <file path=ppt/notesMasters/notesMaster1.xml><?xml version="1.0" encoding="utf-8"?>
-<p:notesMaster xmlns:a="http://schemas.openxmlformats.org/drawingml/2006/main" xmlns:r="http://schemas.openxmlformats.org/officeDocument/2006/relationships" xmlns:mc="http://schemas.openxmlformats.org/markup-compatibility/2006" xmlns:mv="urn:schemas-microsoft-com:mac:vml" xmlns:p="http://schemas.openxmlformats.org/presentationml/2006/main" xmlns:c="http://schemas.openxmlformats.org/drawingml/2006/chart" xmlns:dgm="http://schemas.openxmlformats.org/drawingml/2006/diagram" xmlns:o="urn:schemas-microsoft-com:office:office" xmlns:v="urn:schemas-microsoft-com:vml" xmlns:pvml="urn:schemas-microsoft-com:office:powerpoint" xmlns:com="http://schemas.openxmlformats.org/drawingml/2006/compatibility" xmlns:p14="http://schemas.microsoft.com/office/powerpoint/2010/main" xmlns:p15="http://schemas.microsoft.com/office/powerpoint/2012/main" xmlns:ahyp="http://schemas.microsoft.com/office/drawing/2018/hyperlinkcolor">
+<p:notesMaster xmlns:a="http://schemas.openxmlformats.org/drawingml/2006/main" xmlns:r="http://schemas.openxmlformats.org/officeDocument/2006/relationships" xmlns:p="http://schemas.openxmlformats.org/presentationml/2006/main">
   <p:cSld>
+    <p:bg>
+      <p:bgRef idx="1001">
+        <a:schemeClr val="bg1"/>
+      </p:bgRef>
+    </p:bg>
     <p:spTree>
       <p:nvGrpSpPr>
-        <p:cNvPr id="2" name="Shape 2"/>
+        <p:cNvPr id="1" name="Shape 2"/>
         <p:cNvGrpSpPr/>
         <p:nvPr/>
       </p:nvGrpSpPr>
@@ -284,9 +289,11 @@
       <p:sp>
         <p:nvSpPr>
           <p:cNvPr id="3" name="Google Shape;3;n"/>
-          <p:cNvSpPr/>
+          <p:cNvSpPr>
+            <a:spLocks noGrp="1" noRot="1" noChangeAspect="1"/>
+          </p:cNvSpPr>
           <p:nvPr>
-            <p:ph idx="2" type="sldImg"/>
+            <p:ph type="sldImg" idx="2"/>
           </p:nvPr>
         </p:nvSpPr>
         <p:spPr>
@@ -295,9 +302,13 @@
             <a:ext cx="6096075" cy="3429000"/>
           </a:xfrm>
           <a:custGeom>
-            <a:rect b="b" l="l" r="r" t="t"/>
+            <a:avLst/>
+            <a:gdLst/>
+            <a:ahLst/>
+            <a:cxnLst/>
+            <a:rect l="l" t="t" r="r" b="b"/>
             <a:pathLst>
-              <a:path extrusionOk="0" h="120000" w="120000">
+              <a:path w="120000" h="120000" extrusionOk="0">
                 <a:moveTo>
                   <a:pt x="0" y="0"/>
                 </a:moveTo>
@@ -315,23 +326,25 @@
             </a:pathLst>
           </a:custGeom>
           <a:noFill/>
-          <a:ln cap="flat" cmpd="sng" w="9525">
+          <a:ln w="9525" cap="flat" cmpd="sng">
             <a:solidFill>
               <a:srgbClr val="000000"/>
             </a:solidFill>
             <a:prstDash val="solid"/>
             <a:round/>
-            <a:headEnd len="sm" w="sm" type="none"/>
-            <a:tailEnd len="sm" w="sm" type="none"/>
+            <a:headEnd type="none" w="sm" len="sm"/>
+            <a:tailEnd type="none" w="sm" len="sm"/>
           </a:ln>
         </p:spPr>
       </p:sp>
       <p:sp>
         <p:nvSpPr>
           <p:cNvPr id="4" name="Google Shape;4;n"/>
-          <p:cNvSpPr txBox="1"/>
+          <p:cNvSpPr txBox="1">
+            <a:spLocks noGrp="1"/>
+          </p:cNvSpPr>
           <p:nvPr>
-            <p:ph idx="1" type="body"/>
+            <p:ph type="body" idx="1"/>
           </p:nvPr>
         </p:nvSpPr>
         <p:spPr>
@@ -348,11 +361,11 @@
           </a:ln>
         </p:spPr>
         <p:txBody>
-          <a:bodyPr anchorCtr="0" anchor="t" bIns="91425" lIns="91425" spcFirstLastPara="1" rIns="91425" wrap="square" tIns="91425">
+          <a:bodyPr spcFirstLastPara="1" wrap="square" lIns="91425" tIns="91425" rIns="91425" bIns="91425" anchor="t" anchorCtr="0">
             <a:noAutofit/>
           </a:bodyPr>
           <a:lstStyle>
-            <a:lvl1pPr indent="-298450" lvl="0" marL="457200">
+            <a:lvl1pPr marL="457200" lvl="0" indent="-298450">
               <a:spcBef>
                 <a:spcPts val="0"/>
               </a:spcBef>
@@ -363,7 +376,7 @@
               <a:buChar char="●"/>
               <a:defRPr sz="1100"/>
             </a:lvl1pPr>
-            <a:lvl2pPr indent="-298450" lvl="1" marL="914400">
+            <a:lvl2pPr marL="914400" lvl="1" indent="-298450">
               <a:spcBef>
                 <a:spcPts val="0"/>
               </a:spcBef>
@@ -374,7 +387,7 @@
               <a:buChar char="○"/>
               <a:defRPr sz="1100"/>
             </a:lvl2pPr>
-            <a:lvl3pPr indent="-298450" lvl="2" marL="1371600">
+            <a:lvl3pPr marL="1371600" lvl="2" indent="-298450">
               <a:spcBef>
                 <a:spcPts val="0"/>
               </a:spcBef>
@@ -385,7 +398,7 @@
               <a:buChar char="■"/>
               <a:defRPr sz="1100"/>
             </a:lvl3pPr>
-            <a:lvl4pPr indent="-298450" lvl="3" marL="1828800">
+            <a:lvl4pPr marL="1828800" lvl="3" indent="-298450">
               <a:spcBef>
                 <a:spcPts val="0"/>
               </a:spcBef>
@@ -396,7 +409,7 @@
               <a:buChar char="●"/>
               <a:defRPr sz="1100"/>
             </a:lvl4pPr>
-            <a:lvl5pPr indent="-298450" lvl="4" marL="2286000">
+            <a:lvl5pPr marL="2286000" lvl="4" indent="-298450">
               <a:spcBef>
                 <a:spcPts val="0"/>
               </a:spcBef>
@@ -407,7 +420,7 @@
               <a:buChar char="○"/>
               <a:defRPr sz="1100"/>
             </a:lvl5pPr>
-            <a:lvl6pPr indent="-298450" lvl="5" marL="2743200">
+            <a:lvl6pPr marL="2743200" lvl="5" indent="-298450">
               <a:spcBef>
                 <a:spcPts val="0"/>
               </a:spcBef>
@@ -418,7 +431,7 @@
               <a:buChar char="■"/>
               <a:defRPr sz="1100"/>
             </a:lvl6pPr>
-            <a:lvl7pPr indent="-298450" lvl="6" marL="3200400">
+            <a:lvl7pPr marL="3200400" lvl="6" indent="-298450">
               <a:spcBef>
                 <a:spcPts val="0"/>
               </a:spcBef>
@@ -429,7 +442,7 @@
               <a:buChar char="●"/>
               <a:defRPr sz="1100"/>
             </a:lvl7pPr>
-            <a:lvl8pPr indent="-298450" lvl="7" marL="3657600">
+            <a:lvl8pPr marL="3657600" lvl="7" indent="-298450">
               <a:spcBef>
                 <a:spcPts val="0"/>
               </a:spcBef>
@@ -440,7 +453,7 @@
               <a:buChar char="○"/>
               <a:defRPr sz="1100"/>
             </a:lvl8pPr>
-            <a:lvl9pPr indent="-298450" lvl="8" marL="4114800">
+            <a:lvl9pPr marL="4114800" lvl="8" indent="-298450">
               <a:spcBef>
                 <a:spcPts val="0"/>
               </a:spcBef>
@@ -452,14 +465,16 @@
               <a:defRPr sz="1100"/>
             </a:lvl9pPr>
           </a:lstStyle>
-          <a:p/>
+          <a:p>
+            <a:endParaRPr/>
+          </a:p>
         </p:txBody>
       </p:sp>
     </p:spTree>
   </p:cSld>
-  <p:clrMap accent1="accent1" accent2="accent2" accent3="accent3" accent4="accent4" accent5="accent5" accent6="accent6" bg1="lt1" bg2="dk2" tx1="dk1" tx2="lt2" folHlink="folHlink" hlink="hlink"/>
+  <p:clrMap bg1="lt1" tx1="dk1" bg2="dk2" tx2="lt2" accent1="accent1" accent2="accent2" accent3="accent3" accent4="accent4" accent5="accent5" accent6="accent6" hlink="hlink" folHlink="folHlink"/>
   <p:notesStyle>
-    <a:defPPr lvl="0" marR="0" rtl="0" algn="l">
+    <a:defPPr marR="0" lvl="0" algn="l" rtl="0">
       <a:lnSpc>
         <a:spcPct val="100000"/>
       </a:lnSpc>
@@ -470,7 +485,7 @@
         <a:spcPts val="0"/>
       </a:spcAft>
     </a:defPPr>
-    <a:lvl1pPr lvl="0" marR="0" rtl="0" algn="l">
+    <a:lvl1pPr marR="0" lvl="0" algn="l" rtl="0">
       <a:lnSpc>
         <a:spcPct val="100000"/>
       </a:lnSpc>
@@ -484,7 +499,7 @@
         <a:srgbClr val="000000"/>
       </a:buClr>
       <a:buFont typeface="Arial"/>
-      <a:defRPr b="0" i="0" sz="1400" u="none" cap="none" strike="noStrike">
+      <a:defRPr sz="1400" b="0" i="0" u="none" strike="noStrike" cap="none">
         <a:solidFill>
           <a:srgbClr val="000000"/>
         </a:solidFill>
@@ -494,7 +509,7 @@
         <a:sym typeface="Arial"/>
       </a:defRPr>
     </a:lvl1pPr>
-    <a:lvl2pPr lvl="1" marR="0" rtl="0" algn="l">
+    <a:lvl2pPr marR="0" lvl="1" algn="l" rtl="0">
       <a:lnSpc>
         <a:spcPct val="100000"/>
       </a:lnSpc>
@@ -508,7 +523,7 @@
         <a:srgbClr val="000000"/>
       </a:buClr>
       <a:buFont typeface="Arial"/>
-      <a:defRPr b="0" i="0" sz="1400" u="none" cap="none" strike="noStrike">
+      <a:defRPr sz="1400" b="0" i="0" u="none" strike="noStrike" cap="none">
         <a:solidFill>
           <a:srgbClr val="000000"/>
         </a:solidFill>
@@ -518,7 +533,7 @@
         <a:sym typeface="Arial"/>
       </a:defRPr>
     </a:lvl2pPr>
-    <a:lvl3pPr lvl="2" marR="0" rtl="0" algn="l">
+    <a:lvl3pPr marR="0" lvl="2" algn="l" rtl="0">
       <a:lnSpc>
         <a:spcPct val="100000"/>
       </a:lnSpc>
@@ -532,7 +547,7 @@
         <a:srgbClr val="000000"/>
       </a:buClr>
       <a:buFont typeface="Arial"/>
-      <a:defRPr b="0" i="0" sz="1400" u="none" cap="none" strike="noStrike">
+      <a:defRPr sz="1400" b="0" i="0" u="none" strike="noStrike" cap="none">
         <a:solidFill>
           <a:srgbClr val="000000"/>
         </a:solidFill>
@@ -542,7 +557,7 @@
         <a:sym typeface="Arial"/>
       </a:defRPr>
     </a:lvl3pPr>
-    <a:lvl4pPr lvl="3" marR="0" rtl="0" algn="l">
+    <a:lvl4pPr marR="0" lvl="3" algn="l" rtl="0">
       <a:lnSpc>
         <a:spcPct val="100000"/>
       </a:lnSpc>
@@ -556,7 +571,7 @@
         <a:srgbClr val="000000"/>
       </a:buClr>
       <a:buFont typeface="Arial"/>
-      <a:defRPr b="0" i="0" sz="1400" u="none" cap="none" strike="noStrike">
+      <a:defRPr sz="1400" b="0" i="0" u="none" strike="noStrike" cap="none">
         <a:solidFill>
           <a:srgbClr val="000000"/>
         </a:solidFill>
@@ -566,7 +581,7 @@
         <a:sym typeface="Arial"/>
       </a:defRPr>
     </a:lvl4pPr>
-    <a:lvl5pPr lvl="4" marR="0" rtl="0" algn="l">
+    <a:lvl5pPr marR="0" lvl="4" algn="l" rtl="0">
       <a:lnSpc>
         <a:spcPct val="100000"/>
       </a:lnSpc>
@@ -580,7 +595,7 @@
         <a:srgbClr val="000000"/>
       </a:buClr>
       <a:buFont typeface="Arial"/>
-      <a:defRPr b="0" i="0" sz="1400" u="none" cap="none" strike="noStrike">
+      <a:defRPr sz="1400" b="0" i="0" u="none" strike="noStrike" cap="none">
         <a:solidFill>
           <a:srgbClr val="000000"/>
         </a:solidFill>
@@ -590,7 +605,7 @@
         <a:sym typeface="Arial"/>
       </a:defRPr>
     </a:lvl5pPr>
-    <a:lvl6pPr lvl="5" marR="0" rtl="0" algn="l">
+    <a:lvl6pPr marR="0" lvl="5" algn="l" rtl="0">
       <a:lnSpc>
         <a:spcPct val="100000"/>
       </a:lnSpc>
@@ -604,7 +619,7 @@
         <a:srgbClr val="000000"/>
       </a:buClr>
       <a:buFont typeface="Arial"/>
-      <a:defRPr b="0" i="0" sz="1400" u="none" cap="none" strike="noStrike">
+      <a:defRPr sz="1400" b="0" i="0" u="none" strike="noStrike" cap="none">
         <a:solidFill>
           <a:srgbClr val="000000"/>
         </a:solidFill>
@@ -614,7 +629,7 @@
         <a:sym typeface="Arial"/>
       </a:defRPr>
     </a:lvl6pPr>
-    <a:lvl7pPr lvl="6" marR="0" rtl="0" algn="l">
+    <a:lvl7pPr marR="0" lvl="6" algn="l" rtl="0">
       <a:lnSpc>
         <a:spcPct val="100000"/>
       </a:lnSpc>
@@ -628,7 +643,7 @@
         <a:srgbClr val="000000"/>
       </a:buClr>
       <a:buFont typeface="Arial"/>
-      <a:defRPr b="0" i="0" sz="1400" u="none" cap="none" strike="noStrike">
+      <a:defRPr sz="1400" b="0" i="0" u="none" strike="noStrike" cap="none">
         <a:solidFill>
           <a:srgbClr val="000000"/>
         </a:solidFill>
@@ -638,7 +653,7 @@
         <a:sym typeface="Arial"/>
       </a:defRPr>
     </a:lvl7pPr>
-    <a:lvl8pPr lvl="7" marR="0" rtl="0" algn="l">
+    <a:lvl8pPr marR="0" lvl="7" algn="l" rtl="0">
       <a:lnSpc>
         <a:spcPct val="100000"/>
       </a:lnSpc>
@@ -652,7 +667,7 @@
         <a:srgbClr val="000000"/>
       </a:buClr>
       <a:buFont typeface="Arial"/>
-      <a:defRPr b="0" i="0" sz="1400" u="none" cap="none" strike="noStrike">
+      <a:defRPr sz="1400" b="0" i="0" u="none" strike="noStrike" cap="none">
         <a:solidFill>
           <a:srgbClr val="000000"/>
         </a:solidFill>
@@ -662,7 +677,7 @@
         <a:sym typeface="Arial"/>
       </a:defRPr>
     </a:lvl8pPr>
-    <a:lvl9pPr lvl="8" marR="0" rtl="0" algn="l">
+    <a:lvl9pPr marR="0" lvl="8" algn="l" rtl="0">
       <a:lnSpc>
         <a:spcPct val="100000"/>
       </a:lnSpc>
@@ -676,7 +691,7 @@
         <a:srgbClr val="000000"/>
       </a:buClr>
       <a:buFont typeface="Arial"/>
-      <a:defRPr b="0" i="0" sz="1400" u="none" cap="none" strike="noStrike">
+      <a:defRPr sz="1400" b="0" i="0" u="none" strike="noStrike" cap="none">
         <a:solidFill>
           <a:srgbClr val="000000"/>
         </a:solidFill>
@@ -691,11 +706,11 @@
 </file>
 
 <file path=ppt/notesSlides/notesSlide1.xml><?xml version="1.0" encoding="utf-8"?>
-<p:notes xmlns:a="http://schemas.openxmlformats.org/drawingml/2006/main" xmlns:r="http://schemas.openxmlformats.org/officeDocument/2006/relationships" xmlns:mc="http://schemas.openxmlformats.org/markup-compatibility/2006" xmlns:mv="urn:schemas-microsoft-com:mac:vml" xmlns:p="http://schemas.openxmlformats.org/presentationml/2006/main" xmlns:c="http://schemas.openxmlformats.org/drawingml/2006/chart" xmlns:dgm="http://schemas.openxmlformats.org/drawingml/2006/diagram" xmlns:o="urn:schemas-microsoft-com:office:office" xmlns:v="urn:schemas-microsoft-com:vml" xmlns:pvml="urn:schemas-microsoft-com:office:powerpoint" xmlns:com="http://schemas.openxmlformats.org/drawingml/2006/compatibility" xmlns:p14="http://schemas.microsoft.com/office/powerpoint/2010/main" xmlns:p15="http://schemas.microsoft.com/office/powerpoint/2012/main" xmlns:ahyp="http://schemas.microsoft.com/office/drawing/2018/hyperlinkcolor" showMasterPhAnim="0" showMasterSp="0">
+<p:notes xmlns:a="http://schemas.openxmlformats.org/drawingml/2006/main" xmlns:r="http://schemas.openxmlformats.org/officeDocument/2006/relationships" xmlns:p="http://schemas.openxmlformats.org/presentationml/2006/main" showMasterSp="0" showMasterPhAnim="0">
   <p:cSld>
     <p:spTree>
       <p:nvGrpSpPr>
-        <p:cNvPr id="58" name="Shape 58"/>
+        <p:cNvPr id="1" name="Shape 58"/>
         <p:cNvGrpSpPr/>
         <p:nvPr/>
       </p:nvGrpSpPr>
@@ -710,20 +725,26 @@
       <p:sp>
         <p:nvSpPr>
           <p:cNvPr id="59" name="Google Shape;59;p:notes"/>
-          <p:cNvSpPr/>
+          <p:cNvSpPr>
+            <a:spLocks noGrp="1" noRot="1" noChangeAspect="1"/>
+          </p:cNvSpPr>
           <p:nvPr>
-            <p:ph idx="2" type="sldImg"/>
+            <p:ph type="sldImg" idx="2"/>
           </p:nvPr>
         </p:nvSpPr>
         <p:spPr>
           <a:xfrm>
-            <a:off x="381300" y="685800"/>
-            <a:ext cx="6096075" cy="3429000"/>
+            <a:off x="381000" y="685800"/>
+            <a:ext cx="6096000" cy="3429000"/>
           </a:xfrm>
           <a:custGeom>
-            <a:rect b="b" l="l" r="r" t="t"/>
+            <a:avLst/>
+            <a:gdLst/>
+            <a:ahLst/>
+            <a:cxnLst/>
+            <a:rect l="l" t="t" r="r" b="b"/>
             <a:pathLst>
-              <a:path extrusionOk="0" h="120000" w="120000">
+              <a:path w="120000" h="120000" extrusionOk="0">
                 <a:moveTo>
                   <a:pt x="0" y="0"/>
                 </a:moveTo>
@@ -745,9 +766,11 @@
       <p:sp>
         <p:nvSpPr>
           <p:cNvPr id="60" name="Google Shape;60;p:notes"/>
-          <p:cNvSpPr txBox="1"/>
+          <p:cNvSpPr txBox="1">
+            <a:spLocks noGrp="1"/>
+          </p:cNvSpPr>
           <p:nvPr>
-            <p:ph idx="1" type="body"/>
+            <p:ph type="body" idx="1"/>
           </p:nvPr>
         </p:nvSpPr>
         <p:spPr>
@@ -760,12 +783,12 @@
           </a:prstGeom>
         </p:spPr>
         <p:txBody>
-          <a:bodyPr anchorCtr="0" anchor="t" bIns="91425" lIns="91425" spcFirstLastPara="1" rIns="91425" wrap="square" tIns="91425">
+          <a:bodyPr spcFirstLastPara="1" wrap="square" lIns="91425" tIns="91425" rIns="91425" bIns="91425" anchor="t" anchorCtr="0">
             <a:noAutofit/>
           </a:bodyPr>
           <a:lstStyle/>
           <a:p>
-            <a:pPr indent="0" lvl="0" marL="0" rtl="0" algn="l">
+            <a:pPr marL="0" lvl="0" indent="0" algn="l" rtl="0">
               <a:spcBef>
                 <a:spcPts val="0"/>
               </a:spcBef>
@@ -774,9 +797,6 @@
               </a:spcAft>
               <a:buNone/>
             </a:pPr>
-            <a:r>
-              <a:t/>
-            </a:r>
             <a:endParaRPr/>
           </a:p>
         </p:txBody>
@@ -790,11 +810,11 @@
 </file>
 
 <file path=ppt/notesSlides/notesSlide2.xml><?xml version="1.0" encoding="utf-8"?>
-<p:notes xmlns:a="http://schemas.openxmlformats.org/drawingml/2006/main" xmlns:r="http://schemas.openxmlformats.org/officeDocument/2006/relationships" xmlns:mc="http://schemas.openxmlformats.org/markup-compatibility/2006" xmlns:mv="urn:schemas-microsoft-com:mac:vml" xmlns:p="http://schemas.openxmlformats.org/presentationml/2006/main" xmlns:c="http://schemas.openxmlformats.org/drawingml/2006/chart" xmlns:dgm="http://schemas.openxmlformats.org/drawingml/2006/diagram" xmlns:o="urn:schemas-microsoft-com:office:office" xmlns:v="urn:schemas-microsoft-com:vml" xmlns:pvml="urn:schemas-microsoft-com:office:powerpoint" xmlns:com="http://schemas.openxmlformats.org/drawingml/2006/compatibility" xmlns:p14="http://schemas.microsoft.com/office/powerpoint/2010/main" xmlns:p15="http://schemas.microsoft.com/office/powerpoint/2012/main" xmlns:ahyp="http://schemas.microsoft.com/office/drawing/2018/hyperlinkcolor" showMasterPhAnim="0" showMasterSp="0">
+<p:notes xmlns:a="http://schemas.openxmlformats.org/drawingml/2006/main" xmlns:r="http://schemas.openxmlformats.org/officeDocument/2006/relationships" xmlns:p="http://schemas.openxmlformats.org/presentationml/2006/main" showMasterSp="0" showMasterPhAnim="0">
   <p:cSld>
     <p:spTree>
       <p:nvGrpSpPr>
-        <p:cNvPr id="65" name="Shape 65"/>
+        <p:cNvPr id="1" name="Shape 65"/>
         <p:cNvGrpSpPr/>
         <p:nvPr/>
       </p:nvGrpSpPr>
@@ -809,9 +829,11 @@
       <p:sp>
         <p:nvSpPr>
           <p:cNvPr id="66" name="Google Shape;66;g1cb6028478a_0_47:notes"/>
-          <p:cNvSpPr/>
+          <p:cNvSpPr>
+            <a:spLocks noGrp="1" noRot="1" noChangeAspect="1"/>
+          </p:cNvSpPr>
           <p:nvPr>
-            <p:ph idx="2" type="sldImg"/>
+            <p:ph type="sldImg" idx="2"/>
           </p:nvPr>
         </p:nvSpPr>
         <p:spPr>
@@ -820,9 +842,13 @@
             <a:ext cx="6096000" cy="3429000"/>
           </a:xfrm>
           <a:custGeom>
-            <a:rect b="b" l="l" r="r" t="t"/>
+            <a:avLst/>
+            <a:gdLst/>
+            <a:ahLst/>
+            <a:cxnLst/>
+            <a:rect l="l" t="t" r="r" b="b"/>
             <a:pathLst>
-              <a:path extrusionOk="0" h="120000" w="120000">
+              <a:path w="120000" h="120000" extrusionOk="0">
                 <a:moveTo>
                   <a:pt x="0" y="0"/>
                 </a:moveTo>
@@ -844,9 +870,11 @@
       <p:sp>
         <p:nvSpPr>
           <p:cNvPr id="67" name="Google Shape;67;g1cb6028478a_0_47:notes"/>
-          <p:cNvSpPr txBox="1"/>
+          <p:cNvSpPr txBox="1">
+            <a:spLocks noGrp="1"/>
+          </p:cNvSpPr>
           <p:nvPr>
-            <p:ph idx="1" type="body"/>
+            <p:ph type="body" idx="1"/>
           </p:nvPr>
         </p:nvSpPr>
         <p:spPr>
@@ -859,12 +887,12 @@
           </a:prstGeom>
         </p:spPr>
         <p:txBody>
-          <a:bodyPr anchorCtr="0" anchor="t" bIns="91425" lIns="91425" spcFirstLastPara="1" rIns="91425" wrap="square" tIns="91425">
+          <a:bodyPr spcFirstLastPara="1" wrap="square" lIns="91425" tIns="91425" rIns="91425" bIns="91425" anchor="t" anchorCtr="0">
             <a:noAutofit/>
           </a:bodyPr>
           <a:lstStyle/>
           <a:p>
-            <a:pPr indent="0" lvl="0" marL="0" rtl="0" algn="l">
+            <a:pPr marL="0" lvl="0" indent="0" algn="l" rtl="0">
               <a:spcBef>
                 <a:spcPts val="0"/>
               </a:spcBef>
@@ -873,9 +901,6 @@
               </a:spcAft>
               <a:buNone/>
             </a:pPr>
-            <a:r>
-              <a:t/>
-            </a:r>
             <a:endParaRPr/>
           </a:p>
         </p:txBody>
@@ -889,11 +914,11 @@
 </file>
 
 <file path=ppt/notesSlides/notesSlide3.xml><?xml version="1.0" encoding="utf-8"?>
-<p:notes xmlns:a="http://schemas.openxmlformats.org/drawingml/2006/main" xmlns:r="http://schemas.openxmlformats.org/officeDocument/2006/relationships" xmlns:mc="http://schemas.openxmlformats.org/markup-compatibility/2006" xmlns:mv="urn:schemas-microsoft-com:mac:vml" xmlns:p="http://schemas.openxmlformats.org/presentationml/2006/main" xmlns:c="http://schemas.openxmlformats.org/drawingml/2006/chart" xmlns:dgm="http://schemas.openxmlformats.org/drawingml/2006/diagram" xmlns:o="urn:schemas-microsoft-com:office:office" xmlns:v="urn:schemas-microsoft-com:vml" xmlns:pvml="urn:schemas-microsoft-com:office:powerpoint" xmlns:com="http://schemas.openxmlformats.org/drawingml/2006/compatibility" xmlns:p14="http://schemas.microsoft.com/office/powerpoint/2010/main" xmlns:p15="http://schemas.microsoft.com/office/powerpoint/2012/main" xmlns:ahyp="http://schemas.microsoft.com/office/drawing/2018/hyperlinkcolor" showMasterPhAnim="0" showMasterSp="0">
+<p:notes xmlns:a="http://schemas.openxmlformats.org/drawingml/2006/main" xmlns:r="http://schemas.openxmlformats.org/officeDocument/2006/relationships" xmlns:p="http://schemas.openxmlformats.org/presentationml/2006/main" showMasterSp="0" showMasterPhAnim="0">
   <p:cSld>
     <p:spTree>
       <p:nvGrpSpPr>
-        <p:cNvPr id="71" name="Shape 71"/>
+        <p:cNvPr id="1" name="Shape 71"/>
         <p:cNvGrpSpPr/>
         <p:nvPr/>
       </p:nvGrpSpPr>
@@ -908,9 +933,11 @@
       <p:sp>
         <p:nvSpPr>
           <p:cNvPr id="72" name="Google Shape;72;g1cb6028478a_0_53:notes"/>
-          <p:cNvSpPr/>
+          <p:cNvSpPr>
+            <a:spLocks noGrp="1" noRot="1" noChangeAspect="1"/>
+          </p:cNvSpPr>
           <p:nvPr>
-            <p:ph idx="2" type="sldImg"/>
+            <p:ph type="sldImg" idx="2"/>
           </p:nvPr>
         </p:nvSpPr>
         <p:spPr>
@@ -919,9 +946,13 @@
             <a:ext cx="6096000" cy="3429000"/>
           </a:xfrm>
           <a:custGeom>
-            <a:rect b="b" l="l" r="r" t="t"/>
+            <a:avLst/>
+            <a:gdLst/>
+            <a:ahLst/>
+            <a:cxnLst/>
+            <a:rect l="l" t="t" r="r" b="b"/>
             <a:pathLst>
-              <a:path extrusionOk="0" h="120000" w="120000">
+              <a:path w="120000" h="120000" extrusionOk="0">
                 <a:moveTo>
                   <a:pt x="0" y="0"/>
                 </a:moveTo>
@@ -943,9 +974,11 @@
       <p:sp>
         <p:nvSpPr>
           <p:cNvPr id="73" name="Google Shape;73;g1cb6028478a_0_53:notes"/>
-          <p:cNvSpPr txBox="1"/>
+          <p:cNvSpPr txBox="1">
+            <a:spLocks noGrp="1"/>
+          </p:cNvSpPr>
           <p:nvPr>
-            <p:ph idx="1" type="body"/>
+            <p:ph type="body" idx="1"/>
           </p:nvPr>
         </p:nvSpPr>
         <p:spPr>
@@ -958,12 +991,12 @@
           </a:prstGeom>
         </p:spPr>
         <p:txBody>
-          <a:bodyPr anchorCtr="0" anchor="t" bIns="91425" lIns="91425" spcFirstLastPara="1" rIns="91425" wrap="square" tIns="91425">
+          <a:bodyPr spcFirstLastPara="1" wrap="square" lIns="91425" tIns="91425" rIns="91425" bIns="91425" anchor="t" anchorCtr="0">
             <a:noAutofit/>
           </a:bodyPr>
           <a:lstStyle/>
           <a:p>
-            <a:pPr indent="0" lvl="0" marL="0" rtl="0" algn="l">
+            <a:pPr marL="0" lvl="0" indent="0" algn="l" rtl="0">
               <a:spcBef>
                 <a:spcPts val="0"/>
               </a:spcBef>
@@ -972,9 +1005,6 @@
               </a:spcAft>
               <a:buNone/>
             </a:pPr>
-            <a:r>
-              <a:t/>
-            </a:r>
             <a:endParaRPr/>
           </a:p>
         </p:txBody>
@@ -988,11 +1018,11 @@
 </file>
 
 <file path=ppt/notesSlides/notesSlide4.xml><?xml version="1.0" encoding="utf-8"?>
-<p:notes xmlns:a="http://schemas.openxmlformats.org/drawingml/2006/main" xmlns:r="http://schemas.openxmlformats.org/officeDocument/2006/relationships" xmlns:mc="http://schemas.openxmlformats.org/markup-compatibility/2006" xmlns:mv="urn:schemas-microsoft-com:mac:vml" xmlns:p="http://schemas.openxmlformats.org/presentationml/2006/main" xmlns:c="http://schemas.openxmlformats.org/drawingml/2006/chart" xmlns:dgm="http://schemas.openxmlformats.org/drawingml/2006/diagram" xmlns:o="urn:schemas-microsoft-com:office:office" xmlns:v="urn:schemas-microsoft-com:vml" xmlns:pvml="urn:schemas-microsoft-com:office:powerpoint" xmlns:com="http://schemas.openxmlformats.org/drawingml/2006/compatibility" xmlns:p14="http://schemas.microsoft.com/office/powerpoint/2010/main" xmlns:p15="http://schemas.microsoft.com/office/powerpoint/2012/main" xmlns:ahyp="http://schemas.microsoft.com/office/drawing/2018/hyperlinkcolor" showMasterPhAnim="0" showMasterSp="0">
+<p:notes xmlns:a="http://schemas.openxmlformats.org/drawingml/2006/main" xmlns:r="http://schemas.openxmlformats.org/officeDocument/2006/relationships" xmlns:p="http://schemas.openxmlformats.org/presentationml/2006/main" showMasterSp="0" showMasterPhAnim="0">
   <p:cSld>
     <p:spTree>
       <p:nvGrpSpPr>
-        <p:cNvPr id="77" name="Shape 77"/>
+        <p:cNvPr id="1" name="Shape 77"/>
         <p:cNvGrpSpPr/>
         <p:nvPr/>
       </p:nvGrpSpPr>
@@ -1007,9 +1037,11 @@
       <p:sp>
         <p:nvSpPr>
           <p:cNvPr id="78" name="Google Shape;78;g1cb6028478a_0_62:notes"/>
-          <p:cNvSpPr/>
+          <p:cNvSpPr>
+            <a:spLocks noGrp="1" noRot="1" noChangeAspect="1"/>
+          </p:cNvSpPr>
           <p:nvPr>
-            <p:ph idx="2" type="sldImg"/>
+            <p:ph type="sldImg" idx="2"/>
           </p:nvPr>
         </p:nvSpPr>
         <p:spPr>
@@ -1018,9 +1050,13 @@
             <a:ext cx="6096000" cy="3429000"/>
           </a:xfrm>
           <a:custGeom>
-            <a:rect b="b" l="l" r="r" t="t"/>
+            <a:avLst/>
+            <a:gdLst/>
+            <a:ahLst/>
+            <a:cxnLst/>
+            <a:rect l="l" t="t" r="r" b="b"/>
             <a:pathLst>
-              <a:path extrusionOk="0" h="120000" w="120000">
+              <a:path w="120000" h="120000" extrusionOk="0">
                 <a:moveTo>
                   <a:pt x="0" y="0"/>
                 </a:moveTo>
@@ -1042,9 +1078,11 @@
       <p:sp>
         <p:nvSpPr>
           <p:cNvPr id="79" name="Google Shape;79;g1cb6028478a_0_62:notes"/>
-          <p:cNvSpPr txBox="1"/>
+          <p:cNvSpPr txBox="1">
+            <a:spLocks noGrp="1"/>
+          </p:cNvSpPr>
           <p:nvPr>
-            <p:ph idx="1" type="body"/>
+            <p:ph type="body" idx="1"/>
           </p:nvPr>
         </p:nvSpPr>
         <p:spPr>
@@ -1057,12 +1095,12 @@
           </a:prstGeom>
         </p:spPr>
         <p:txBody>
-          <a:bodyPr anchorCtr="0" anchor="t" bIns="91425" lIns="91425" spcFirstLastPara="1" rIns="91425" wrap="square" tIns="91425">
+          <a:bodyPr spcFirstLastPara="1" wrap="square" lIns="91425" tIns="91425" rIns="91425" bIns="91425" anchor="t" anchorCtr="0">
             <a:noAutofit/>
           </a:bodyPr>
           <a:lstStyle/>
           <a:p>
-            <a:pPr indent="0" lvl="0" marL="0" rtl="0" algn="l">
+            <a:pPr marL="0" lvl="0" indent="0" algn="l" rtl="0">
               <a:spcBef>
                 <a:spcPts val="0"/>
               </a:spcBef>
@@ -1071,9 +1109,6 @@
               </a:spcAft>
               <a:buNone/>
             </a:pPr>
-            <a:r>
-              <a:t/>
-            </a:r>
             <a:endParaRPr/>
           </a:p>
         </p:txBody>
@@ -1087,11 +1122,11 @@
 </file>
 
 <file path=ppt/notesSlides/notesSlide5.xml><?xml version="1.0" encoding="utf-8"?>
-<p:notes xmlns:a="http://schemas.openxmlformats.org/drawingml/2006/main" xmlns:r="http://schemas.openxmlformats.org/officeDocument/2006/relationships" xmlns:mc="http://schemas.openxmlformats.org/markup-compatibility/2006" xmlns:mv="urn:schemas-microsoft-com:mac:vml" xmlns:p="http://schemas.openxmlformats.org/presentationml/2006/main" xmlns:c="http://schemas.openxmlformats.org/drawingml/2006/chart" xmlns:dgm="http://schemas.openxmlformats.org/drawingml/2006/diagram" xmlns:o="urn:schemas-microsoft-com:office:office" xmlns:v="urn:schemas-microsoft-com:vml" xmlns:pvml="urn:schemas-microsoft-com:office:powerpoint" xmlns:com="http://schemas.openxmlformats.org/drawingml/2006/compatibility" xmlns:p14="http://schemas.microsoft.com/office/powerpoint/2010/main" xmlns:p15="http://schemas.microsoft.com/office/powerpoint/2012/main" xmlns:ahyp="http://schemas.microsoft.com/office/drawing/2018/hyperlinkcolor" showMasterPhAnim="0" showMasterSp="0">
+<p:notes xmlns:a="http://schemas.openxmlformats.org/drawingml/2006/main" xmlns:r="http://schemas.openxmlformats.org/officeDocument/2006/relationships" xmlns:p="http://schemas.openxmlformats.org/presentationml/2006/main" showMasterSp="0" showMasterPhAnim="0">
   <p:cSld>
     <p:spTree>
       <p:nvGrpSpPr>
-        <p:cNvPr id="83" name="Shape 83"/>
+        <p:cNvPr id="1" name="Shape 83"/>
         <p:cNvGrpSpPr/>
         <p:nvPr/>
       </p:nvGrpSpPr>
@@ -1106,9 +1141,11 @@
       <p:sp>
         <p:nvSpPr>
           <p:cNvPr id="84" name="Google Shape;84;g1cb6028478a_0_68:notes"/>
-          <p:cNvSpPr/>
+          <p:cNvSpPr>
+            <a:spLocks noGrp="1" noRot="1" noChangeAspect="1"/>
+          </p:cNvSpPr>
           <p:nvPr>
-            <p:ph idx="2" type="sldImg"/>
+            <p:ph type="sldImg" idx="2"/>
           </p:nvPr>
         </p:nvSpPr>
         <p:spPr>
@@ -1117,9 +1154,13 @@
             <a:ext cx="6096000" cy="3429000"/>
           </a:xfrm>
           <a:custGeom>
-            <a:rect b="b" l="l" r="r" t="t"/>
+            <a:avLst/>
+            <a:gdLst/>
+            <a:ahLst/>
+            <a:cxnLst/>
+            <a:rect l="l" t="t" r="r" b="b"/>
             <a:pathLst>
-              <a:path extrusionOk="0" h="120000" w="120000">
+              <a:path w="120000" h="120000" extrusionOk="0">
                 <a:moveTo>
                   <a:pt x="0" y="0"/>
                 </a:moveTo>
@@ -1141,9 +1182,11 @@
       <p:sp>
         <p:nvSpPr>
           <p:cNvPr id="85" name="Google Shape;85;g1cb6028478a_0_68:notes"/>
-          <p:cNvSpPr txBox="1"/>
+          <p:cNvSpPr txBox="1">
+            <a:spLocks noGrp="1"/>
+          </p:cNvSpPr>
           <p:nvPr>
-            <p:ph idx="1" type="body"/>
+            <p:ph type="body" idx="1"/>
           </p:nvPr>
         </p:nvSpPr>
         <p:spPr>
@@ -1156,12 +1199,12 @@
           </a:prstGeom>
         </p:spPr>
         <p:txBody>
-          <a:bodyPr anchorCtr="0" anchor="t" bIns="91425" lIns="91425" spcFirstLastPara="1" rIns="91425" wrap="square" tIns="91425">
+          <a:bodyPr spcFirstLastPara="1" wrap="square" lIns="91425" tIns="91425" rIns="91425" bIns="91425" anchor="t" anchorCtr="0">
             <a:noAutofit/>
           </a:bodyPr>
           <a:lstStyle/>
           <a:p>
-            <a:pPr indent="0" lvl="0" marL="0" rtl="0" algn="l">
+            <a:pPr marL="0" lvl="0" indent="0" algn="l" rtl="0">
               <a:spcBef>
                 <a:spcPts val="0"/>
               </a:spcBef>
@@ -1170,9 +1213,6 @@
               </a:spcAft>
               <a:buNone/>
             </a:pPr>
-            <a:r>
-              <a:t/>
-            </a:r>
             <a:endParaRPr/>
           </a:p>
         </p:txBody>
@@ -1186,11 +1226,11 @@
 </file>
 
 <file path=ppt/slideLayouts/slideLayout1.xml><?xml version="1.0" encoding="utf-8"?>
-<p:sldLayout xmlns:a="http://schemas.openxmlformats.org/drawingml/2006/main" xmlns:r="http://schemas.openxmlformats.org/officeDocument/2006/relationships" xmlns:mc="http://schemas.openxmlformats.org/markup-compatibility/2006" xmlns:mv="urn:schemas-microsoft-com:mac:vml" xmlns:p="http://schemas.openxmlformats.org/presentationml/2006/main" xmlns:c="http://schemas.openxmlformats.org/drawingml/2006/chart" xmlns:dgm="http://schemas.openxmlformats.org/drawingml/2006/diagram" xmlns:o="urn:schemas-microsoft-com:office:office" xmlns:v="urn:schemas-microsoft-com:vml" xmlns:pvml="urn:schemas-microsoft-com:office:powerpoint" xmlns:com="http://schemas.openxmlformats.org/drawingml/2006/compatibility" xmlns:p14="http://schemas.microsoft.com/office/powerpoint/2010/main" xmlns:p15="http://schemas.microsoft.com/office/powerpoint/2012/main" xmlns:ahyp="http://schemas.microsoft.com/office/drawing/2018/hyperlinkcolor" matchingName="Title slide" type="title">
+<p:sldLayout xmlns:a="http://schemas.openxmlformats.org/drawingml/2006/main" xmlns:r="http://schemas.openxmlformats.org/officeDocument/2006/relationships" xmlns:p="http://schemas.openxmlformats.org/presentationml/2006/main" matchingName="Title slide" type="title">
   <p:cSld name="TITLE">
     <p:spTree>
       <p:nvGrpSpPr>
-        <p:cNvPr id="10" name="Shape 10"/>
+        <p:cNvPr id="1" name="Shape 10"/>
         <p:cNvGrpSpPr/>
         <p:nvPr/>
       </p:nvGrpSpPr>
@@ -1212,7 +1252,7 @@
           <a:blip r:embed="rId2">
             <a:alphaModFix/>
           </a:blip>
-          <a:srcRect b="22311" l="0" r="0" t="0"/>
+          <a:srcRect b="22311"/>
           <a:stretch/>
         </p:blipFill>
         <p:spPr>
@@ -1232,7 +1272,9 @@
       <p:sp>
         <p:nvSpPr>
           <p:cNvPr id="12" name="Google Shape;12;p2"/>
-          <p:cNvSpPr txBox="1"/>
+          <p:cNvSpPr txBox="1">
+            <a:spLocks noGrp="1"/>
+          </p:cNvSpPr>
           <p:nvPr>
             <p:ph type="ctrTitle"/>
           </p:nvPr>
@@ -1247,7 +1289,7 @@
           </a:prstGeom>
         </p:spPr>
         <p:txBody>
-          <a:bodyPr anchorCtr="0" anchor="b" bIns="91425" lIns="91425" spcFirstLastPara="1" rIns="91425" wrap="square" tIns="91425">
+          <a:bodyPr spcFirstLastPara="1" wrap="square" lIns="91425" tIns="91425" rIns="91425" bIns="91425" anchor="b" anchorCtr="0">
             <a:normAutofit/>
           </a:bodyPr>
           <a:lstStyle>
@@ -1414,15 +1456,19 @@
               </a:defRPr>
             </a:lvl9pPr>
           </a:lstStyle>
-          <a:p/>
+          <a:p>
+            <a:endParaRPr/>
+          </a:p>
         </p:txBody>
       </p:sp>
       <p:sp>
         <p:nvSpPr>
           <p:cNvPr id="13" name="Google Shape;13;p2"/>
-          <p:cNvSpPr txBox="1"/>
+          <p:cNvSpPr txBox="1">
+            <a:spLocks noGrp="1"/>
+          </p:cNvSpPr>
           <p:nvPr>
-            <p:ph idx="1" type="subTitle"/>
+            <p:ph type="subTitle" idx="1"/>
           </p:nvPr>
         </p:nvSpPr>
         <p:spPr>
@@ -1435,7 +1481,7 @@
           </a:prstGeom>
         </p:spPr>
         <p:txBody>
-          <a:bodyPr anchorCtr="0" anchor="t" bIns="91425" lIns="91425" spcFirstLastPara="1" rIns="91425" wrap="square" tIns="91425">
+          <a:bodyPr spcFirstLastPara="1" wrap="square" lIns="91425" tIns="91425" rIns="91425" bIns="91425" anchor="t" anchorCtr="0">
             <a:normAutofit/>
           </a:bodyPr>
           <a:lstStyle>
@@ -1573,15 +1619,19 @@
               <a:defRPr sz="2800"/>
             </a:lvl9pPr>
           </a:lstStyle>
-          <a:p/>
+          <a:p>
+            <a:endParaRPr/>
+          </a:p>
         </p:txBody>
       </p:sp>
       <p:sp>
         <p:nvSpPr>
           <p:cNvPr id="14" name="Google Shape;14;p2"/>
-          <p:cNvSpPr txBox="1"/>
+          <p:cNvSpPr txBox="1">
+            <a:spLocks noGrp="1"/>
+          </p:cNvSpPr>
           <p:nvPr>
-            <p:ph idx="12" type="sldNum"/>
+            <p:ph type="sldNum" idx="12"/>
           </p:nvPr>
         </p:nvSpPr>
         <p:spPr>
@@ -1594,7 +1644,7 @@
           </a:prstGeom>
         </p:spPr>
         <p:txBody>
-          <a:bodyPr anchorCtr="0" anchor="ctr" bIns="91425" lIns="91425" spcFirstLastPara="1" rIns="91425" wrap="square" tIns="91425">
+          <a:bodyPr spcFirstLastPara="1" wrap="square" lIns="91425" tIns="91425" rIns="91425" bIns="91425" anchor="ctr" anchorCtr="0">
             <a:normAutofit/>
           </a:bodyPr>
           <a:lstStyle>
@@ -1636,7 +1686,7 @@
             </a:lvl9pPr>
           </a:lstStyle>
           <a:p>
-            <a:pPr indent="0" lvl="0" marL="0" rtl="0" algn="r">
+            <a:pPr marL="0" lvl="0" indent="0" algn="r" rtl="0">
               <a:spcBef>
                 <a:spcPts val="0"/>
               </a:spcBef>
@@ -1712,9 +1762,11 @@
       <p:sp>
         <p:nvSpPr>
           <p:cNvPr id="17" name="Google Shape;17;p2"/>
-          <p:cNvSpPr txBox="1"/>
+          <p:cNvSpPr txBox="1">
+            <a:spLocks noGrp="1"/>
+          </p:cNvSpPr>
           <p:nvPr>
-            <p:ph idx="2" type="subTitle"/>
+            <p:ph type="subTitle" idx="2"/>
           </p:nvPr>
         </p:nvSpPr>
         <p:spPr>
@@ -1727,11 +1779,11 @@
           </a:prstGeom>
         </p:spPr>
         <p:txBody>
-          <a:bodyPr anchorCtr="0" anchor="t" bIns="91425" lIns="91425" spcFirstLastPara="1" rIns="91425" wrap="square" tIns="91425">
+          <a:bodyPr spcFirstLastPara="1" wrap="square" lIns="91425" tIns="91425" rIns="91425" bIns="91425" anchor="t" anchorCtr="0">
             <a:normAutofit/>
           </a:bodyPr>
           <a:lstStyle>
-            <a:lvl1pPr lvl="0" rtl="0" algn="ctr">
+            <a:lvl1pPr lvl="0" algn="ctr" rtl="0">
               <a:lnSpc>
                 <a:spcPct val="100000"/>
               </a:lnSpc>
@@ -1746,13 +1798,13 @@
               </a:buClr>
               <a:buSzPts val="2000"/>
               <a:buNone/>
-              <a:defRPr i="1" sz="2000">
+              <a:defRPr sz="2000" i="1">
                 <a:solidFill>
                   <a:schemeClr val="lt1"/>
                 </a:solidFill>
               </a:defRPr>
             </a:lvl1pPr>
-            <a:lvl2pPr lvl="1" rtl="0" algn="ctr">
+            <a:lvl2pPr lvl="1" algn="ctr" rtl="0">
               <a:lnSpc>
                 <a:spcPct val="100000"/>
               </a:lnSpc>
@@ -1766,7 +1818,7 @@
               <a:buNone/>
               <a:defRPr sz="2800"/>
             </a:lvl2pPr>
-            <a:lvl3pPr lvl="2" rtl="0" algn="ctr">
+            <a:lvl3pPr lvl="2" algn="ctr" rtl="0">
               <a:lnSpc>
                 <a:spcPct val="100000"/>
               </a:lnSpc>
@@ -1780,7 +1832,7 @@
               <a:buNone/>
               <a:defRPr sz="2800"/>
             </a:lvl3pPr>
-            <a:lvl4pPr lvl="3" rtl="0" algn="ctr">
+            <a:lvl4pPr lvl="3" algn="ctr" rtl="0">
               <a:lnSpc>
                 <a:spcPct val="100000"/>
               </a:lnSpc>
@@ -1794,7 +1846,7 @@
               <a:buNone/>
               <a:defRPr sz="2800"/>
             </a:lvl4pPr>
-            <a:lvl5pPr lvl="4" rtl="0" algn="ctr">
+            <a:lvl5pPr lvl="4" algn="ctr" rtl="0">
               <a:lnSpc>
                 <a:spcPct val="100000"/>
               </a:lnSpc>
@@ -1808,7 +1860,7 @@
               <a:buNone/>
               <a:defRPr sz="2800"/>
             </a:lvl5pPr>
-            <a:lvl6pPr lvl="5" rtl="0" algn="ctr">
+            <a:lvl6pPr lvl="5" algn="ctr" rtl="0">
               <a:lnSpc>
                 <a:spcPct val="100000"/>
               </a:lnSpc>
@@ -1822,7 +1874,7 @@
               <a:buNone/>
               <a:defRPr sz="2800"/>
             </a:lvl6pPr>
-            <a:lvl7pPr lvl="6" rtl="0" algn="ctr">
+            <a:lvl7pPr lvl="6" algn="ctr" rtl="0">
               <a:lnSpc>
                 <a:spcPct val="100000"/>
               </a:lnSpc>
@@ -1836,7 +1888,7 @@
               <a:buNone/>
               <a:defRPr sz="2800"/>
             </a:lvl7pPr>
-            <a:lvl8pPr lvl="7" rtl="0" algn="ctr">
+            <a:lvl8pPr lvl="7" algn="ctr" rtl="0">
               <a:lnSpc>
                 <a:spcPct val="100000"/>
               </a:lnSpc>
@@ -1850,7 +1902,7 @@
               <a:buNone/>
               <a:defRPr sz="2800"/>
             </a:lvl8pPr>
-            <a:lvl9pPr lvl="8" rtl="0" algn="ctr">
+            <a:lvl9pPr lvl="8" algn="ctr" rtl="0">
               <a:lnSpc>
                 <a:spcPct val="100000"/>
               </a:lnSpc>
@@ -1865,7 +1917,9 @@
               <a:defRPr sz="2800"/>
             </a:lvl9pPr>
           </a:lstStyle>
-          <a:p/>
+          <a:p>
+            <a:endParaRPr/>
+          </a:p>
         </p:txBody>
       </p:sp>
     </p:spTree>
@@ -1877,11 +1931,11 @@
 </file>
 
 <file path=ppt/slideLayouts/slideLayout10.xml><?xml version="1.0" encoding="utf-8"?>
-<p:sldLayout xmlns:a="http://schemas.openxmlformats.org/drawingml/2006/main" xmlns:r="http://schemas.openxmlformats.org/officeDocument/2006/relationships" xmlns:mc="http://schemas.openxmlformats.org/markup-compatibility/2006" xmlns:mv="urn:schemas-microsoft-com:mac:vml" xmlns:p="http://schemas.openxmlformats.org/presentationml/2006/main" xmlns:c="http://schemas.openxmlformats.org/drawingml/2006/chart" xmlns:dgm="http://schemas.openxmlformats.org/drawingml/2006/diagram" xmlns:o="urn:schemas-microsoft-com:office:office" xmlns:v="urn:schemas-microsoft-com:vml" xmlns:pvml="urn:schemas-microsoft-com:office:powerpoint" xmlns:com="http://schemas.openxmlformats.org/drawingml/2006/compatibility" xmlns:p14="http://schemas.microsoft.com/office/powerpoint/2010/main" xmlns:p15="http://schemas.microsoft.com/office/powerpoint/2012/main" xmlns:ahyp="http://schemas.microsoft.com/office/drawing/2018/hyperlinkcolor" matchingName="Big number">
+<p:sldLayout xmlns:a="http://schemas.openxmlformats.org/drawingml/2006/main" xmlns:r="http://schemas.openxmlformats.org/officeDocument/2006/relationships" xmlns:p="http://schemas.openxmlformats.org/presentationml/2006/main" matchingName="Big number">
   <p:cSld name="BIG_NUMBER">
     <p:spTree>
       <p:nvGrpSpPr>
-        <p:cNvPr id="52" name="Shape 52"/>
+        <p:cNvPr id="1" name="Shape 52"/>
         <p:cNvGrpSpPr/>
         <p:nvPr/>
       </p:nvGrpSpPr>
@@ -1896,9 +1950,11 @@
       <p:sp>
         <p:nvSpPr>
           <p:cNvPr id="53" name="Google Shape;53;p11"/>
-          <p:cNvSpPr txBox="1"/>
+          <p:cNvSpPr txBox="1">
+            <a:spLocks noGrp="1"/>
+          </p:cNvSpPr>
           <p:nvPr>
-            <p:ph hasCustomPrompt="1" type="title"/>
+            <p:ph type="title" hasCustomPrompt="1"/>
           </p:nvPr>
         </p:nvSpPr>
         <p:spPr>
@@ -1911,7 +1967,7 @@
           </a:prstGeom>
         </p:spPr>
         <p:txBody>
-          <a:bodyPr anchorCtr="0" anchor="b" bIns="91425" lIns="91425" spcFirstLastPara="1" rIns="91425" wrap="square" tIns="91425">
+          <a:bodyPr spcFirstLastPara="1" wrap="square" lIns="91425" tIns="91425" rIns="91425" bIns="91425" anchor="b" anchorCtr="0">
             <a:normAutofit/>
           </a:bodyPr>
           <a:lstStyle>
@@ -2025,9 +2081,11 @@
       <p:sp>
         <p:nvSpPr>
           <p:cNvPr id="54" name="Google Shape;54;p11"/>
-          <p:cNvSpPr txBox="1"/>
+          <p:cNvSpPr txBox="1">
+            <a:spLocks noGrp="1"/>
+          </p:cNvSpPr>
           <p:nvPr>
-            <p:ph idx="1" type="body"/>
+            <p:ph type="body" idx="1"/>
           </p:nvPr>
         </p:nvSpPr>
         <p:spPr>
@@ -2040,11 +2098,11 @@
           </a:prstGeom>
         </p:spPr>
         <p:txBody>
-          <a:bodyPr anchorCtr="0" anchor="t" bIns="91425" lIns="91425" spcFirstLastPara="1" rIns="91425" wrap="square" tIns="91425">
+          <a:bodyPr spcFirstLastPara="1" wrap="square" lIns="91425" tIns="91425" rIns="91425" bIns="91425" anchor="t" anchorCtr="0">
             <a:normAutofit/>
           </a:bodyPr>
           <a:lstStyle>
-            <a:lvl1pPr indent="-342900" lvl="0" marL="457200" algn="ctr">
+            <a:lvl1pPr marL="457200" lvl="0" indent="-342900" algn="ctr">
               <a:spcBef>
                 <a:spcPts val="0"/>
               </a:spcBef>
@@ -2055,7 +2113,7 @@
               <a:buChar char="●"/>
               <a:defRPr/>
             </a:lvl1pPr>
-            <a:lvl2pPr indent="-317500" lvl="1" marL="914400" algn="ctr">
+            <a:lvl2pPr marL="914400" lvl="1" indent="-317500" algn="ctr">
               <a:spcBef>
                 <a:spcPts val="0"/>
               </a:spcBef>
@@ -2066,7 +2124,7 @@
               <a:buChar char="○"/>
               <a:defRPr/>
             </a:lvl2pPr>
-            <a:lvl3pPr indent="-317500" lvl="2" marL="1371600" algn="ctr">
+            <a:lvl3pPr marL="1371600" lvl="2" indent="-317500" algn="ctr">
               <a:spcBef>
                 <a:spcPts val="0"/>
               </a:spcBef>
@@ -2077,7 +2135,7 @@
               <a:buChar char="■"/>
               <a:defRPr/>
             </a:lvl3pPr>
-            <a:lvl4pPr indent="-317500" lvl="3" marL="1828800" algn="ctr">
+            <a:lvl4pPr marL="1828800" lvl="3" indent="-317500" algn="ctr">
               <a:spcBef>
                 <a:spcPts val="0"/>
               </a:spcBef>
@@ -2088,7 +2146,7 @@
               <a:buChar char="●"/>
               <a:defRPr/>
             </a:lvl4pPr>
-            <a:lvl5pPr indent="-317500" lvl="4" marL="2286000" algn="ctr">
+            <a:lvl5pPr marL="2286000" lvl="4" indent="-317500" algn="ctr">
               <a:spcBef>
                 <a:spcPts val="0"/>
               </a:spcBef>
@@ -2099,7 +2157,7 @@
               <a:buChar char="○"/>
               <a:defRPr/>
             </a:lvl5pPr>
-            <a:lvl6pPr indent="-317500" lvl="5" marL="2743200" algn="ctr">
+            <a:lvl6pPr marL="2743200" lvl="5" indent="-317500" algn="ctr">
               <a:spcBef>
                 <a:spcPts val="0"/>
               </a:spcBef>
@@ -2110,7 +2168,7 @@
               <a:buChar char="■"/>
               <a:defRPr/>
             </a:lvl6pPr>
-            <a:lvl7pPr indent="-317500" lvl="6" marL="3200400" algn="ctr">
+            <a:lvl7pPr marL="3200400" lvl="6" indent="-317500" algn="ctr">
               <a:spcBef>
                 <a:spcPts val="0"/>
               </a:spcBef>
@@ -2121,7 +2179,7 @@
               <a:buChar char="●"/>
               <a:defRPr/>
             </a:lvl7pPr>
-            <a:lvl8pPr indent="-317500" lvl="7" marL="3657600" algn="ctr">
+            <a:lvl8pPr marL="3657600" lvl="7" indent="-317500" algn="ctr">
               <a:spcBef>
                 <a:spcPts val="0"/>
               </a:spcBef>
@@ -2132,7 +2190,7 @@
               <a:buChar char="○"/>
               <a:defRPr/>
             </a:lvl8pPr>
-            <a:lvl9pPr indent="-317500" lvl="8" marL="4114800" algn="ctr">
+            <a:lvl9pPr marL="4114800" lvl="8" indent="-317500" algn="ctr">
               <a:spcBef>
                 <a:spcPts val="0"/>
               </a:spcBef>
@@ -2144,15 +2202,19 @@
               <a:defRPr/>
             </a:lvl9pPr>
           </a:lstStyle>
-          <a:p/>
+          <a:p>
+            <a:endParaRPr/>
+          </a:p>
         </p:txBody>
       </p:sp>
       <p:sp>
         <p:nvSpPr>
           <p:cNvPr id="55" name="Google Shape;55;p11"/>
-          <p:cNvSpPr txBox="1"/>
+          <p:cNvSpPr txBox="1">
+            <a:spLocks noGrp="1"/>
+          </p:cNvSpPr>
           <p:nvPr>
-            <p:ph idx="12" type="sldNum"/>
+            <p:ph type="sldNum" idx="12"/>
           </p:nvPr>
         </p:nvSpPr>
         <p:spPr>
@@ -2165,7 +2227,7 @@
           </a:prstGeom>
         </p:spPr>
         <p:txBody>
-          <a:bodyPr anchorCtr="0" anchor="ctr" bIns="91425" lIns="91425" spcFirstLastPara="1" rIns="91425" wrap="square" tIns="91425">
+          <a:bodyPr spcFirstLastPara="1" wrap="square" lIns="91425" tIns="91425" rIns="91425" bIns="91425" anchor="ctr" anchorCtr="0">
             <a:normAutofit/>
           </a:bodyPr>
           <a:lstStyle>
@@ -2207,7 +2269,7 @@
             </a:lvl9pPr>
           </a:lstStyle>
           <a:p>
-            <a:pPr indent="0" lvl="0" marL="0" rtl="0" algn="r">
+            <a:pPr marL="0" lvl="0" indent="0" algn="r" rtl="0">
               <a:spcBef>
                 <a:spcPts val="0"/>
               </a:spcBef>
@@ -2233,11 +2295,11 @@
 </file>
 
 <file path=ppt/slideLayouts/slideLayout11.xml><?xml version="1.0" encoding="utf-8"?>
-<p:sldLayout xmlns:a="http://schemas.openxmlformats.org/drawingml/2006/main" xmlns:r="http://schemas.openxmlformats.org/officeDocument/2006/relationships" xmlns:mc="http://schemas.openxmlformats.org/markup-compatibility/2006" xmlns:mv="urn:schemas-microsoft-com:mac:vml" xmlns:p="http://schemas.openxmlformats.org/presentationml/2006/main" xmlns:c="http://schemas.openxmlformats.org/drawingml/2006/chart" xmlns:dgm="http://schemas.openxmlformats.org/drawingml/2006/diagram" xmlns:o="urn:schemas-microsoft-com:office:office" xmlns:v="urn:schemas-microsoft-com:vml" xmlns:pvml="urn:schemas-microsoft-com:office:powerpoint" xmlns:com="http://schemas.openxmlformats.org/drawingml/2006/compatibility" xmlns:p14="http://schemas.microsoft.com/office/powerpoint/2010/main" xmlns:p15="http://schemas.microsoft.com/office/powerpoint/2012/main" xmlns:ahyp="http://schemas.microsoft.com/office/drawing/2018/hyperlinkcolor" matchingName="Blank" type="blank">
+<p:sldLayout xmlns:a="http://schemas.openxmlformats.org/drawingml/2006/main" xmlns:r="http://schemas.openxmlformats.org/officeDocument/2006/relationships" xmlns:p="http://schemas.openxmlformats.org/presentationml/2006/main" matchingName="Blank" type="blank">
   <p:cSld name="BLANK">
     <p:spTree>
       <p:nvGrpSpPr>
-        <p:cNvPr id="56" name="Shape 56"/>
+        <p:cNvPr id="1" name="Shape 56"/>
         <p:cNvGrpSpPr/>
         <p:nvPr/>
       </p:nvGrpSpPr>
@@ -2252,9 +2314,11 @@
       <p:sp>
         <p:nvSpPr>
           <p:cNvPr id="57" name="Google Shape;57;p12"/>
-          <p:cNvSpPr txBox="1"/>
+          <p:cNvSpPr txBox="1">
+            <a:spLocks noGrp="1"/>
+          </p:cNvSpPr>
           <p:nvPr>
-            <p:ph idx="12" type="sldNum"/>
+            <p:ph type="sldNum" idx="12"/>
           </p:nvPr>
         </p:nvSpPr>
         <p:spPr>
@@ -2267,7 +2331,7 @@
           </a:prstGeom>
         </p:spPr>
         <p:txBody>
-          <a:bodyPr anchorCtr="0" anchor="ctr" bIns="91425" lIns="91425" spcFirstLastPara="1" rIns="91425" wrap="square" tIns="91425">
+          <a:bodyPr spcFirstLastPara="1" wrap="square" lIns="91425" tIns="91425" rIns="91425" bIns="91425" anchor="ctr" anchorCtr="0">
             <a:normAutofit/>
           </a:bodyPr>
           <a:lstStyle>
@@ -2309,7 +2373,7 @@
             </a:lvl9pPr>
           </a:lstStyle>
           <a:p>
-            <a:pPr indent="0" lvl="0" marL="0" rtl="0" algn="r">
+            <a:pPr marL="0" lvl="0" indent="0" algn="r" rtl="0">
               <a:spcBef>
                 <a:spcPts val="0"/>
               </a:spcBef>
@@ -2335,18 +2399,19 @@
 </file>
 
 <file path=ppt/slideLayouts/slideLayout2.xml><?xml version="1.0" encoding="utf-8"?>
-<p:sldLayout xmlns:a="http://schemas.openxmlformats.org/drawingml/2006/main" xmlns:r="http://schemas.openxmlformats.org/officeDocument/2006/relationships" xmlns:mc="http://schemas.openxmlformats.org/markup-compatibility/2006" xmlns:mv="urn:schemas-microsoft-com:mac:vml" xmlns:p="http://schemas.openxmlformats.org/presentationml/2006/main" xmlns:c="http://schemas.openxmlformats.org/drawingml/2006/chart" xmlns:dgm="http://schemas.openxmlformats.org/drawingml/2006/diagram" xmlns:o="urn:schemas-microsoft-com:office:office" xmlns:v="urn:schemas-microsoft-com:vml" xmlns:pvml="urn:schemas-microsoft-com:office:powerpoint" xmlns:com="http://schemas.openxmlformats.org/drawingml/2006/compatibility" xmlns:p14="http://schemas.microsoft.com/office/powerpoint/2010/main" xmlns:p15="http://schemas.microsoft.com/office/powerpoint/2012/main" xmlns:ahyp="http://schemas.microsoft.com/office/drawing/2018/hyperlinkcolor" matchingName="Section header" type="secHead">
+<p:sldLayout xmlns:a="http://schemas.openxmlformats.org/drawingml/2006/main" xmlns:r="http://schemas.openxmlformats.org/officeDocument/2006/relationships" xmlns:p="http://schemas.openxmlformats.org/presentationml/2006/main" matchingName="Section header" type="secHead">
   <p:cSld name="SECTION_HEADER">
     <p:bg>
       <p:bgPr>
         <a:solidFill>
           <a:schemeClr val="lt1"/>
         </a:solidFill>
+        <a:effectLst/>
       </p:bgPr>
     </p:bg>
     <p:spTree>
       <p:nvGrpSpPr>
-        <p:cNvPr id="18" name="Shape 18"/>
+        <p:cNvPr id="1" name="Shape 18"/>
         <p:cNvGrpSpPr/>
         <p:nvPr/>
       </p:nvGrpSpPr>
@@ -2368,7 +2433,7 @@
           <a:blip r:embed="rId2">
             <a:alphaModFix/>
           </a:blip>
-          <a:srcRect b="22311" l="0" r="0" t="0"/>
+          <a:srcRect b="22311"/>
           <a:stretch/>
         </p:blipFill>
         <p:spPr>
@@ -2388,7 +2453,9 @@
       <p:sp>
         <p:nvSpPr>
           <p:cNvPr id="20" name="Google Shape;20;p3"/>
-          <p:cNvSpPr txBox="1"/>
+          <p:cNvSpPr txBox="1">
+            <a:spLocks noGrp="1"/>
+          </p:cNvSpPr>
           <p:nvPr>
             <p:ph type="title"/>
           </p:nvPr>
@@ -2403,7 +2470,7 @@
           </a:prstGeom>
         </p:spPr>
         <p:txBody>
-          <a:bodyPr anchorCtr="0" anchor="ctr" bIns="91425" lIns="91425" spcFirstLastPara="1" rIns="91425" wrap="square" tIns="91425">
+          <a:bodyPr spcFirstLastPara="1" wrap="square" lIns="91425" tIns="91425" rIns="91425" bIns="91425" anchor="ctr" anchorCtr="0">
             <a:normAutofit/>
           </a:bodyPr>
           <a:lstStyle>
@@ -2419,7 +2486,7 @@
               </a:buClr>
               <a:buSzPts val="3600"/>
               <a:buNone/>
-              <a:defRPr b="1" sz="3600">
+              <a:defRPr sz="3600" b="1">
                 <a:solidFill>
                   <a:schemeClr val="lt1"/>
                 </a:solidFill>
@@ -2514,15 +2581,19 @@
               <a:defRPr sz="3600"/>
             </a:lvl9pPr>
           </a:lstStyle>
-          <a:p/>
+          <a:p>
+            <a:endParaRPr/>
+          </a:p>
         </p:txBody>
       </p:sp>
       <p:sp>
         <p:nvSpPr>
           <p:cNvPr id="21" name="Google Shape;21;p3"/>
-          <p:cNvSpPr txBox="1"/>
+          <p:cNvSpPr txBox="1">
+            <a:spLocks noGrp="1"/>
+          </p:cNvSpPr>
           <p:nvPr>
-            <p:ph idx="12" type="sldNum"/>
+            <p:ph type="sldNum" idx="12"/>
           </p:nvPr>
         </p:nvSpPr>
         <p:spPr>
@@ -2535,7 +2606,7 @@
           </a:prstGeom>
         </p:spPr>
         <p:txBody>
-          <a:bodyPr anchorCtr="0" anchor="ctr" bIns="91425" lIns="91425" spcFirstLastPara="1" rIns="91425" wrap="square" tIns="91425">
+          <a:bodyPr spcFirstLastPara="1" wrap="square" lIns="91425" tIns="91425" rIns="91425" bIns="91425" anchor="ctr" anchorCtr="0">
             <a:normAutofit/>
           </a:bodyPr>
           <a:lstStyle>
@@ -2577,7 +2648,7 @@
             </a:lvl9pPr>
           </a:lstStyle>
           <a:p>
-            <a:pPr indent="0" lvl="0" marL="0" rtl="0" algn="r">
+            <a:pPr marL="0" lvl="0" indent="0" algn="r" rtl="0">
               <a:spcBef>
                 <a:spcPts val="0"/>
               </a:spcBef>
@@ -2659,11 +2730,11 @@
 </file>
 
 <file path=ppt/slideLayouts/slideLayout3.xml><?xml version="1.0" encoding="utf-8"?>
-<p:sldLayout xmlns:a="http://schemas.openxmlformats.org/drawingml/2006/main" xmlns:r="http://schemas.openxmlformats.org/officeDocument/2006/relationships" xmlns:mc="http://schemas.openxmlformats.org/markup-compatibility/2006" xmlns:mv="urn:schemas-microsoft-com:mac:vml" xmlns:p="http://schemas.openxmlformats.org/presentationml/2006/main" xmlns:c="http://schemas.openxmlformats.org/drawingml/2006/chart" xmlns:dgm="http://schemas.openxmlformats.org/drawingml/2006/diagram" xmlns:o="urn:schemas-microsoft-com:office:office" xmlns:v="urn:schemas-microsoft-com:vml" xmlns:pvml="urn:schemas-microsoft-com:office:powerpoint" xmlns:com="http://schemas.openxmlformats.org/drawingml/2006/compatibility" xmlns:p14="http://schemas.microsoft.com/office/powerpoint/2010/main" xmlns:p15="http://schemas.microsoft.com/office/powerpoint/2012/main" xmlns:ahyp="http://schemas.microsoft.com/office/drawing/2018/hyperlinkcolor" matchingName="Title and body" type="tx">
+<p:sldLayout xmlns:a="http://schemas.openxmlformats.org/drawingml/2006/main" xmlns:r="http://schemas.openxmlformats.org/officeDocument/2006/relationships" xmlns:p="http://schemas.openxmlformats.org/presentationml/2006/main" matchingName="Title and body" type="tx">
   <p:cSld name="TITLE_AND_BODY">
     <p:spTree>
       <p:nvGrpSpPr>
-        <p:cNvPr id="24" name="Shape 24"/>
+        <p:cNvPr id="1" name="Shape 24"/>
         <p:cNvGrpSpPr/>
         <p:nvPr/>
       </p:nvGrpSpPr>
@@ -2678,7 +2749,9 @@
       <p:sp>
         <p:nvSpPr>
           <p:cNvPr id="25" name="Google Shape;25;p4"/>
-          <p:cNvSpPr txBox="1"/>
+          <p:cNvSpPr txBox="1">
+            <a:spLocks noGrp="1"/>
+          </p:cNvSpPr>
           <p:nvPr>
             <p:ph type="title"/>
           </p:nvPr>
@@ -2693,7 +2766,7 @@
           </a:prstGeom>
         </p:spPr>
         <p:txBody>
-          <a:bodyPr anchorCtr="0" anchor="t" bIns="91425" lIns="91425" spcFirstLastPara="1" rIns="91425" wrap="square" tIns="91425">
+          <a:bodyPr spcFirstLastPara="1" wrap="square" lIns="91425" tIns="91425" rIns="91425" bIns="91425" anchor="t" anchorCtr="0">
             <a:normAutofit/>
           </a:bodyPr>
           <a:lstStyle>
@@ -2797,15 +2870,19 @@
               <a:defRPr/>
             </a:lvl9pPr>
           </a:lstStyle>
-          <a:p/>
+          <a:p>
+            <a:endParaRPr/>
+          </a:p>
         </p:txBody>
       </p:sp>
       <p:sp>
         <p:nvSpPr>
           <p:cNvPr id="26" name="Google Shape;26;p4"/>
-          <p:cNvSpPr txBox="1"/>
+          <p:cNvSpPr txBox="1">
+            <a:spLocks noGrp="1"/>
+          </p:cNvSpPr>
           <p:nvPr>
-            <p:ph idx="1" type="body"/>
+            <p:ph type="body" idx="1"/>
           </p:nvPr>
         </p:nvSpPr>
         <p:spPr>
@@ -2818,11 +2895,11 @@
           </a:prstGeom>
         </p:spPr>
         <p:txBody>
-          <a:bodyPr anchorCtr="0" anchor="t" bIns="91425" lIns="91425" spcFirstLastPara="1" rIns="91425" wrap="square" tIns="91425">
+          <a:bodyPr spcFirstLastPara="1" wrap="square" lIns="91425" tIns="91425" rIns="91425" bIns="91425" anchor="t" anchorCtr="0">
             <a:normAutofit/>
           </a:bodyPr>
           <a:lstStyle>
-            <a:lvl1pPr indent="-342900" lvl="0" marL="457200">
+            <a:lvl1pPr marL="457200" lvl="0" indent="-342900">
               <a:spcBef>
                 <a:spcPts val="0"/>
               </a:spcBef>
@@ -2833,7 +2910,7 @@
               <a:buChar char="●"/>
               <a:defRPr/>
             </a:lvl1pPr>
-            <a:lvl2pPr indent="-317500" lvl="1" marL="914400">
+            <a:lvl2pPr marL="914400" lvl="1" indent="-317500">
               <a:spcBef>
                 <a:spcPts val="0"/>
               </a:spcBef>
@@ -2844,7 +2921,7 @@
               <a:buChar char="○"/>
               <a:defRPr/>
             </a:lvl2pPr>
-            <a:lvl3pPr indent="-317500" lvl="2" marL="1371600">
+            <a:lvl3pPr marL="1371600" lvl="2" indent="-317500">
               <a:spcBef>
                 <a:spcPts val="0"/>
               </a:spcBef>
@@ -2855,7 +2932,7 @@
               <a:buChar char="■"/>
               <a:defRPr/>
             </a:lvl3pPr>
-            <a:lvl4pPr indent="-317500" lvl="3" marL="1828800">
+            <a:lvl4pPr marL="1828800" lvl="3" indent="-317500">
               <a:spcBef>
                 <a:spcPts val="0"/>
               </a:spcBef>
@@ -2866,7 +2943,7 @@
               <a:buChar char="●"/>
               <a:defRPr/>
             </a:lvl4pPr>
-            <a:lvl5pPr indent="-317500" lvl="4" marL="2286000">
+            <a:lvl5pPr marL="2286000" lvl="4" indent="-317500">
               <a:spcBef>
                 <a:spcPts val="0"/>
               </a:spcBef>
@@ -2877,7 +2954,7 @@
               <a:buChar char="○"/>
               <a:defRPr/>
             </a:lvl5pPr>
-            <a:lvl6pPr indent="-317500" lvl="5" marL="2743200">
+            <a:lvl6pPr marL="2743200" lvl="5" indent="-317500">
               <a:spcBef>
                 <a:spcPts val="0"/>
               </a:spcBef>
@@ -2888,7 +2965,7 @@
               <a:buChar char="■"/>
               <a:defRPr/>
             </a:lvl6pPr>
-            <a:lvl7pPr indent="-317500" lvl="6" marL="3200400">
+            <a:lvl7pPr marL="3200400" lvl="6" indent="-317500">
               <a:spcBef>
                 <a:spcPts val="0"/>
               </a:spcBef>
@@ -2899,7 +2976,7 @@
               <a:buChar char="●"/>
               <a:defRPr/>
             </a:lvl7pPr>
-            <a:lvl8pPr indent="-317500" lvl="7" marL="3657600">
+            <a:lvl8pPr marL="3657600" lvl="7" indent="-317500">
               <a:spcBef>
                 <a:spcPts val="0"/>
               </a:spcBef>
@@ -2910,7 +2987,7 @@
               <a:buChar char="○"/>
               <a:defRPr/>
             </a:lvl8pPr>
-            <a:lvl9pPr indent="-317500" lvl="8" marL="4114800">
+            <a:lvl9pPr marL="4114800" lvl="8" indent="-317500">
               <a:spcBef>
                 <a:spcPts val="0"/>
               </a:spcBef>
@@ -2922,15 +2999,19 @@
               <a:defRPr/>
             </a:lvl9pPr>
           </a:lstStyle>
-          <a:p/>
+          <a:p>
+            <a:endParaRPr/>
+          </a:p>
         </p:txBody>
       </p:sp>
       <p:sp>
         <p:nvSpPr>
           <p:cNvPr id="27" name="Google Shape;27;p4"/>
-          <p:cNvSpPr txBox="1"/>
+          <p:cNvSpPr txBox="1">
+            <a:spLocks noGrp="1"/>
+          </p:cNvSpPr>
           <p:nvPr>
-            <p:ph idx="12" type="sldNum"/>
+            <p:ph type="sldNum" idx="12"/>
           </p:nvPr>
         </p:nvSpPr>
         <p:spPr>
@@ -2943,7 +3024,7 @@
           </a:prstGeom>
         </p:spPr>
         <p:txBody>
-          <a:bodyPr anchorCtr="0" anchor="ctr" bIns="91425" lIns="91425" spcFirstLastPara="1" rIns="91425" wrap="square" tIns="91425">
+          <a:bodyPr spcFirstLastPara="1" wrap="square" lIns="91425" tIns="91425" rIns="91425" bIns="91425" anchor="ctr" anchorCtr="0">
             <a:normAutofit/>
           </a:bodyPr>
           <a:lstStyle>
@@ -2985,7 +3066,7 @@
             </a:lvl9pPr>
           </a:lstStyle>
           <a:p>
-            <a:pPr indent="0" lvl="0" marL="0" rtl="0" algn="r">
+            <a:pPr marL="0" lvl="0" indent="0" algn="r" rtl="0">
               <a:spcBef>
                 <a:spcPts val="0"/>
               </a:spcBef>
@@ -3011,11 +3092,11 @@
 </file>
 
 <file path=ppt/slideLayouts/slideLayout4.xml><?xml version="1.0" encoding="utf-8"?>
-<p:sldLayout xmlns:a="http://schemas.openxmlformats.org/drawingml/2006/main" xmlns:r="http://schemas.openxmlformats.org/officeDocument/2006/relationships" xmlns:mc="http://schemas.openxmlformats.org/markup-compatibility/2006" xmlns:mv="urn:schemas-microsoft-com:mac:vml" xmlns:p="http://schemas.openxmlformats.org/presentationml/2006/main" xmlns:c="http://schemas.openxmlformats.org/drawingml/2006/chart" xmlns:dgm="http://schemas.openxmlformats.org/drawingml/2006/diagram" xmlns:o="urn:schemas-microsoft-com:office:office" xmlns:v="urn:schemas-microsoft-com:vml" xmlns:pvml="urn:schemas-microsoft-com:office:powerpoint" xmlns:com="http://schemas.openxmlformats.org/drawingml/2006/compatibility" xmlns:p14="http://schemas.microsoft.com/office/powerpoint/2010/main" xmlns:p15="http://schemas.microsoft.com/office/powerpoint/2012/main" xmlns:ahyp="http://schemas.microsoft.com/office/drawing/2018/hyperlinkcolor" matchingName="Title and two columns" type="twoColTx">
+<p:sldLayout xmlns:a="http://schemas.openxmlformats.org/drawingml/2006/main" xmlns:r="http://schemas.openxmlformats.org/officeDocument/2006/relationships" xmlns:p="http://schemas.openxmlformats.org/presentationml/2006/main" matchingName="Title and two columns" type="twoColTx">
   <p:cSld name="TITLE_AND_TWO_COLUMNS">
     <p:spTree>
       <p:nvGrpSpPr>
-        <p:cNvPr id="28" name="Shape 28"/>
+        <p:cNvPr id="1" name="Shape 28"/>
         <p:cNvGrpSpPr/>
         <p:nvPr/>
       </p:nvGrpSpPr>
@@ -3030,7 +3111,9 @@
       <p:sp>
         <p:nvSpPr>
           <p:cNvPr id="29" name="Google Shape;29;p5"/>
-          <p:cNvSpPr txBox="1"/>
+          <p:cNvSpPr txBox="1">
+            <a:spLocks noGrp="1"/>
+          </p:cNvSpPr>
           <p:nvPr>
             <p:ph type="title"/>
           </p:nvPr>
@@ -3045,7 +3128,7 @@
           </a:prstGeom>
         </p:spPr>
         <p:txBody>
-          <a:bodyPr anchorCtr="0" anchor="t" bIns="91425" lIns="91425" spcFirstLastPara="1" rIns="91425" wrap="square" tIns="91425">
+          <a:bodyPr spcFirstLastPara="1" wrap="square" lIns="91425" tIns="91425" rIns="91425" bIns="91425" anchor="t" anchorCtr="0">
             <a:normAutofit/>
           </a:bodyPr>
           <a:lstStyle>
@@ -3149,15 +3232,19 @@
               <a:defRPr/>
             </a:lvl9pPr>
           </a:lstStyle>
-          <a:p/>
+          <a:p>
+            <a:endParaRPr/>
+          </a:p>
         </p:txBody>
       </p:sp>
       <p:sp>
         <p:nvSpPr>
           <p:cNvPr id="30" name="Google Shape;30;p5"/>
-          <p:cNvSpPr txBox="1"/>
+          <p:cNvSpPr txBox="1">
+            <a:spLocks noGrp="1"/>
+          </p:cNvSpPr>
           <p:nvPr>
-            <p:ph idx="1" type="body"/>
+            <p:ph type="body" idx="1"/>
           </p:nvPr>
         </p:nvSpPr>
         <p:spPr>
@@ -3170,11 +3257,11 @@
           </a:prstGeom>
         </p:spPr>
         <p:txBody>
-          <a:bodyPr anchorCtr="0" anchor="t" bIns="91425" lIns="91425" spcFirstLastPara="1" rIns="91425" wrap="square" tIns="91425">
+          <a:bodyPr spcFirstLastPara="1" wrap="square" lIns="91425" tIns="91425" rIns="91425" bIns="91425" anchor="t" anchorCtr="0">
             <a:normAutofit/>
           </a:bodyPr>
           <a:lstStyle>
-            <a:lvl1pPr indent="-317500" lvl="0" marL="457200">
+            <a:lvl1pPr marL="457200" lvl="0" indent="-317500">
               <a:spcBef>
                 <a:spcPts val="0"/>
               </a:spcBef>
@@ -3185,7 +3272,7 @@
               <a:buChar char="●"/>
               <a:defRPr sz="1400"/>
             </a:lvl1pPr>
-            <a:lvl2pPr indent="-304800" lvl="1" marL="914400">
+            <a:lvl2pPr marL="914400" lvl="1" indent="-304800">
               <a:spcBef>
                 <a:spcPts val="0"/>
               </a:spcBef>
@@ -3196,7 +3283,7 @@
               <a:buChar char="○"/>
               <a:defRPr sz="1200"/>
             </a:lvl2pPr>
-            <a:lvl3pPr indent="-304800" lvl="2" marL="1371600">
+            <a:lvl3pPr marL="1371600" lvl="2" indent="-304800">
               <a:spcBef>
                 <a:spcPts val="0"/>
               </a:spcBef>
@@ -3207,7 +3294,7 @@
               <a:buChar char="■"/>
               <a:defRPr sz="1200"/>
             </a:lvl3pPr>
-            <a:lvl4pPr indent="-304800" lvl="3" marL="1828800">
+            <a:lvl4pPr marL="1828800" lvl="3" indent="-304800">
               <a:spcBef>
                 <a:spcPts val="0"/>
               </a:spcBef>
@@ -3218,7 +3305,7 @@
               <a:buChar char="●"/>
               <a:defRPr sz="1200"/>
             </a:lvl4pPr>
-            <a:lvl5pPr indent="-304800" lvl="4" marL="2286000">
+            <a:lvl5pPr marL="2286000" lvl="4" indent="-304800">
               <a:spcBef>
                 <a:spcPts val="0"/>
               </a:spcBef>
@@ -3229,7 +3316,7 @@
               <a:buChar char="○"/>
               <a:defRPr sz="1200"/>
             </a:lvl5pPr>
-            <a:lvl6pPr indent="-304800" lvl="5" marL="2743200">
+            <a:lvl6pPr marL="2743200" lvl="5" indent="-304800">
               <a:spcBef>
                 <a:spcPts val="0"/>
               </a:spcBef>
@@ -3240,7 +3327,7 @@
               <a:buChar char="■"/>
               <a:defRPr sz="1200"/>
             </a:lvl6pPr>
-            <a:lvl7pPr indent="-304800" lvl="6" marL="3200400">
+            <a:lvl7pPr marL="3200400" lvl="6" indent="-304800">
               <a:spcBef>
                 <a:spcPts val="0"/>
               </a:spcBef>
@@ -3251,7 +3338,7 @@
               <a:buChar char="●"/>
               <a:defRPr sz="1200"/>
             </a:lvl7pPr>
-            <a:lvl8pPr indent="-304800" lvl="7" marL="3657600">
+            <a:lvl8pPr marL="3657600" lvl="7" indent="-304800">
               <a:spcBef>
                 <a:spcPts val="0"/>
               </a:spcBef>
@@ -3262,7 +3349,7 @@
               <a:buChar char="○"/>
               <a:defRPr sz="1200"/>
             </a:lvl8pPr>
-            <a:lvl9pPr indent="-304800" lvl="8" marL="4114800">
+            <a:lvl9pPr marL="4114800" lvl="8" indent="-304800">
               <a:spcBef>
                 <a:spcPts val="0"/>
               </a:spcBef>
@@ -3274,15 +3361,19 @@
               <a:defRPr sz="1200"/>
             </a:lvl9pPr>
           </a:lstStyle>
-          <a:p/>
+          <a:p>
+            <a:endParaRPr/>
+          </a:p>
         </p:txBody>
       </p:sp>
       <p:sp>
         <p:nvSpPr>
           <p:cNvPr id="31" name="Google Shape;31;p5"/>
-          <p:cNvSpPr txBox="1"/>
+          <p:cNvSpPr txBox="1">
+            <a:spLocks noGrp="1"/>
+          </p:cNvSpPr>
           <p:nvPr>
-            <p:ph idx="2" type="body"/>
+            <p:ph type="body" idx="2"/>
           </p:nvPr>
         </p:nvSpPr>
         <p:spPr>
@@ -3295,11 +3386,11 @@
           </a:prstGeom>
         </p:spPr>
         <p:txBody>
-          <a:bodyPr anchorCtr="0" anchor="t" bIns="91425" lIns="91425" spcFirstLastPara="1" rIns="91425" wrap="square" tIns="91425">
+          <a:bodyPr spcFirstLastPara="1" wrap="square" lIns="91425" tIns="91425" rIns="91425" bIns="91425" anchor="t" anchorCtr="0">
             <a:normAutofit/>
           </a:bodyPr>
           <a:lstStyle>
-            <a:lvl1pPr indent="-317500" lvl="0" marL="457200">
+            <a:lvl1pPr marL="457200" lvl="0" indent="-317500">
               <a:spcBef>
                 <a:spcPts val="0"/>
               </a:spcBef>
@@ -3310,7 +3401,7 @@
               <a:buChar char="●"/>
               <a:defRPr sz="1400"/>
             </a:lvl1pPr>
-            <a:lvl2pPr indent="-304800" lvl="1" marL="914400">
+            <a:lvl2pPr marL="914400" lvl="1" indent="-304800">
               <a:spcBef>
                 <a:spcPts val="0"/>
               </a:spcBef>
@@ -3321,7 +3412,7 @@
               <a:buChar char="○"/>
               <a:defRPr sz="1200"/>
             </a:lvl2pPr>
-            <a:lvl3pPr indent="-304800" lvl="2" marL="1371600">
+            <a:lvl3pPr marL="1371600" lvl="2" indent="-304800">
               <a:spcBef>
                 <a:spcPts val="0"/>
               </a:spcBef>
@@ -3332,7 +3423,7 @@
               <a:buChar char="■"/>
               <a:defRPr sz="1200"/>
             </a:lvl3pPr>
-            <a:lvl4pPr indent="-304800" lvl="3" marL="1828800">
+            <a:lvl4pPr marL="1828800" lvl="3" indent="-304800">
               <a:spcBef>
                 <a:spcPts val="0"/>
               </a:spcBef>
@@ -3343,7 +3434,7 @@
               <a:buChar char="●"/>
               <a:defRPr sz="1200"/>
             </a:lvl4pPr>
-            <a:lvl5pPr indent="-304800" lvl="4" marL="2286000">
+            <a:lvl5pPr marL="2286000" lvl="4" indent="-304800">
               <a:spcBef>
                 <a:spcPts val="0"/>
               </a:spcBef>
@@ -3354,7 +3445,7 @@
               <a:buChar char="○"/>
               <a:defRPr sz="1200"/>
             </a:lvl5pPr>
-            <a:lvl6pPr indent="-304800" lvl="5" marL="2743200">
+            <a:lvl6pPr marL="2743200" lvl="5" indent="-304800">
               <a:spcBef>
                 <a:spcPts val="0"/>
               </a:spcBef>
@@ -3365,7 +3456,7 @@
               <a:buChar char="■"/>
               <a:defRPr sz="1200"/>
             </a:lvl6pPr>
-            <a:lvl7pPr indent="-304800" lvl="6" marL="3200400">
+            <a:lvl7pPr marL="3200400" lvl="6" indent="-304800">
               <a:spcBef>
                 <a:spcPts val="0"/>
               </a:spcBef>
@@ -3376,7 +3467,7 @@
               <a:buChar char="●"/>
               <a:defRPr sz="1200"/>
             </a:lvl7pPr>
-            <a:lvl8pPr indent="-304800" lvl="7" marL="3657600">
+            <a:lvl8pPr marL="3657600" lvl="7" indent="-304800">
               <a:spcBef>
                 <a:spcPts val="0"/>
               </a:spcBef>
@@ -3387,7 +3478,7 @@
               <a:buChar char="○"/>
               <a:defRPr sz="1200"/>
             </a:lvl8pPr>
-            <a:lvl9pPr indent="-304800" lvl="8" marL="4114800">
+            <a:lvl9pPr marL="4114800" lvl="8" indent="-304800">
               <a:spcBef>
                 <a:spcPts val="0"/>
               </a:spcBef>
@@ -3399,15 +3490,19 @@
               <a:defRPr sz="1200"/>
             </a:lvl9pPr>
           </a:lstStyle>
-          <a:p/>
+          <a:p>
+            <a:endParaRPr/>
+          </a:p>
         </p:txBody>
       </p:sp>
       <p:sp>
         <p:nvSpPr>
           <p:cNvPr id="32" name="Google Shape;32;p5"/>
-          <p:cNvSpPr txBox="1"/>
+          <p:cNvSpPr txBox="1">
+            <a:spLocks noGrp="1"/>
+          </p:cNvSpPr>
           <p:nvPr>
-            <p:ph idx="12" type="sldNum"/>
+            <p:ph type="sldNum" idx="12"/>
           </p:nvPr>
         </p:nvSpPr>
         <p:spPr>
@@ -3420,7 +3515,7 @@
           </a:prstGeom>
         </p:spPr>
         <p:txBody>
-          <a:bodyPr anchorCtr="0" anchor="ctr" bIns="91425" lIns="91425" spcFirstLastPara="1" rIns="91425" wrap="square" tIns="91425">
+          <a:bodyPr spcFirstLastPara="1" wrap="square" lIns="91425" tIns="91425" rIns="91425" bIns="91425" anchor="ctr" anchorCtr="0">
             <a:normAutofit/>
           </a:bodyPr>
           <a:lstStyle>
@@ -3462,7 +3557,7 @@
             </a:lvl9pPr>
           </a:lstStyle>
           <a:p>
-            <a:pPr indent="0" lvl="0" marL="0" rtl="0" algn="r">
+            <a:pPr marL="0" lvl="0" indent="0" algn="r" rtl="0">
               <a:spcBef>
                 <a:spcPts val="0"/>
               </a:spcBef>
@@ -3488,11 +3583,11 @@
 </file>
 
 <file path=ppt/slideLayouts/slideLayout5.xml><?xml version="1.0" encoding="utf-8"?>
-<p:sldLayout xmlns:a="http://schemas.openxmlformats.org/drawingml/2006/main" xmlns:r="http://schemas.openxmlformats.org/officeDocument/2006/relationships" xmlns:mc="http://schemas.openxmlformats.org/markup-compatibility/2006" xmlns:mv="urn:schemas-microsoft-com:mac:vml" xmlns:p="http://schemas.openxmlformats.org/presentationml/2006/main" xmlns:c="http://schemas.openxmlformats.org/drawingml/2006/chart" xmlns:dgm="http://schemas.openxmlformats.org/drawingml/2006/diagram" xmlns:o="urn:schemas-microsoft-com:office:office" xmlns:v="urn:schemas-microsoft-com:vml" xmlns:pvml="urn:schemas-microsoft-com:office:powerpoint" xmlns:com="http://schemas.openxmlformats.org/drawingml/2006/compatibility" xmlns:p14="http://schemas.microsoft.com/office/powerpoint/2010/main" xmlns:p15="http://schemas.microsoft.com/office/powerpoint/2012/main" xmlns:ahyp="http://schemas.microsoft.com/office/drawing/2018/hyperlinkcolor" matchingName="Title only" type="titleOnly">
+<p:sldLayout xmlns:a="http://schemas.openxmlformats.org/drawingml/2006/main" xmlns:r="http://schemas.openxmlformats.org/officeDocument/2006/relationships" xmlns:p="http://schemas.openxmlformats.org/presentationml/2006/main" matchingName="Title only" type="titleOnly">
   <p:cSld name="TITLE_ONLY">
     <p:spTree>
       <p:nvGrpSpPr>
-        <p:cNvPr id="33" name="Shape 33"/>
+        <p:cNvPr id="1" name="Shape 33"/>
         <p:cNvGrpSpPr/>
         <p:nvPr/>
       </p:nvGrpSpPr>
@@ -3507,7 +3602,9 @@
       <p:sp>
         <p:nvSpPr>
           <p:cNvPr id="34" name="Google Shape;34;p6"/>
-          <p:cNvSpPr txBox="1"/>
+          <p:cNvSpPr txBox="1">
+            <a:spLocks noGrp="1"/>
+          </p:cNvSpPr>
           <p:nvPr>
             <p:ph type="title"/>
           </p:nvPr>
@@ -3522,7 +3619,7 @@
           </a:prstGeom>
         </p:spPr>
         <p:txBody>
-          <a:bodyPr anchorCtr="0" anchor="t" bIns="91425" lIns="91425" spcFirstLastPara="1" rIns="91425" wrap="square" tIns="91425">
+          <a:bodyPr spcFirstLastPara="1" wrap="square" lIns="91425" tIns="91425" rIns="91425" bIns="91425" anchor="t" anchorCtr="0">
             <a:normAutofit/>
           </a:bodyPr>
           <a:lstStyle>
@@ -3626,15 +3723,19 @@
               <a:defRPr/>
             </a:lvl9pPr>
           </a:lstStyle>
-          <a:p/>
+          <a:p>
+            <a:endParaRPr/>
+          </a:p>
         </p:txBody>
       </p:sp>
       <p:sp>
         <p:nvSpPr>
           <p:cNvPr id="35" name="Google Shape;35;p6"/>
-          <p:cNvSpPr txBox="1"/>
+          <p:cNvSpPr txBox="1">
+            <a:spLocks noGrp="1"/>
+          </p:cNvSpPr>
           <p:nvPr>
-            <p:ph idx="12" type="sldNum"/>
+            <p:ph type="sldNum" idx="12"/>
           </p:nvPr>
         </p:nvSpPr>
         <p:spPr>
@@ -3647,7 +3748,7 @@
           </a:prstGeom>
         </p:spPr>
         <p:txBody>
-          <a:bodyPr anchorCtr="0" anchor="ctr" bIns="91425" lIns="91425" spcFirstLastPara="1" rIns="91425" wrap="square" tIns="91425">
+          <a:bodyPr spcFirstLastPara="1" wrap="square" lIns="91425" tIns="91425" rIns="91425" bIns="91425" anchor="ctr" anchorCtr="0">
             <a:normAutofit/>
           </a:bodyPr>
           <a:lstStyle>
@@ -3689,7 +3790,7 @@
             </a:lvl9pPr>
           </a:lstStyle>
           <a:p>
-            <a:pPr indent="0" lvl="0" marL="0" rtl="0" algn="r">
+            <a:pPr marL="0" lvl="0" indent="0" algn="r" rtl="0">
               <a:spcBef>
                 <a:spcPts val="0"/>
               </a:spcBef>
@@ -3715,11 +3816,11 @@
 </file>
 
 <file path=ppt/slideLayouts/slideLayout6.xml><?xml version="1.0" encoding="utf-8"?>
-<p:sldLayout xmlns:a="http://schemas.openxmlformats.org/drawingml/2006/main" xmlns:r="http://schemas.openxmlformats.org/officeDocument/2006/relationships" xmlns:mc="http://schemas.openxmlformats.org/markup-compatibility/2006" xmlns:mv="urn:schemas-microsoft-com:mac:vml" xmlns:p="http://schemas.openxmlformats.org/presentationml/2006/main" xmlns:c="http://schemas.openxmlformats.org/drawingml/2006/chart" xmlns:dgm="http://schemas.openxmlformats.org/drawingml/2006/diagram" xmlns:o="urn:schemas-microsoft-com:office:office" xmlns:v="urn:schemas-microsoft-com:vml" xmlns:pvml="urn:schemas-microsoft-com:office:powerpoint" xmlns:com="http://schemas.openxmlformats.org/drawingml/2006/compatibility" xmlns:p14="http://schemas.microsoft.com/office/powerpoint/2010/main" xmlns:p15="http://schemas.microsoft.com/office/powerpoint/2012/main" xmlns:ahyp="http://schemas.microsoft.com/office/drawing/2018/hyperlinkcolor" matchingName="One column text">
+<p:sldLayout xmlns:a="http://schemas.openxmlformats.org/drawingml/2006/main" xmlns:r="http://schemas.openxmlformats.org/officeDocument/2006/relationships" xmlns:p="http://schemas.openxmlformats.org/presentationml/2006/main" matchingName="One column text">
   <p:cSld name="ONE_COLUMN_TEXT">
     <p:spTree>
       <p:nvGrpSpPr>
-        <p:cNvPr id="36" name="Shape 36"/>
+        <p:cNvPr id="1" name="Shape 36"/>
         <p:cNvGrpSpPr/>
         <p:nvPr/>
       </p:nvGrpSpPr>
@@ -3734,7 +3835,9 @@
       <p:sp>
         <p:nvSpPr>
           <p:cNvPr id="37" name="Google Shape;37;p7"/>
-          <p:cNvSpPr txBox="1"/>
+          <p:cNvSpPr txBox="1">
+            <a:spLocks noGrp="1"/>
+          </p:cNvSpPr>
           <p:nvPr>
             <p:ph type="title"/>
           </p:nvPr>
@@ -3749,7 +3852,7 @@
           </a:prstGeom>
         </p:spPr>
         <p:txBody>
-          <a:bodyPr anchorCtr="0" anchor="b" bIns="91425" lIns="91425" spcFirstLastPara="1" rIns="91425" wrap="square" tIns="91425">
+          <a:bodyPr spcFirstLastPara="1" wrap="square" lIns="91425" tIns="91425" rIns="91425" bIns="91425" anchor="b" anchorCtr="0">
             <a:normAutofit/>
           </a:bodyPr>
           <a:lstStyle>
@@ -3762,7 +3865,7 @@
               </a:spcAft>
               <a:buSzPts val="2400"/>
               <a:buNone/>
-              <a:defRPr b="1" sz="2400"/>
+              <a:defRPr sz="2400" b="1"/>
             </a:lvl1pPr>
             <a:lvl2pPr lvl="1">
               <a:spcBef>
@@ -3853,15 +3956,19 @@
               <a:defRPr sz="2400"/>
             </a:lvl9pPr>
           </a:lstStyle>
-          <a:p/>
+          <a:p>
+            <a:endParaRPr/>
+          </a:p>
         </p:txBody>
       </p:sp>
       <p:sp>
         <p:nvSpPr>
           <p:cNvPr id="38" name="Google Shape;38;p7"/>
-          <p:cNvSpPr txBox="1"/>
+          <p:cNvSpPr txBox="1">
+            <a:spLocks noGrp="1"/>
+          </p:cNvSpPr>
           <p:nvPr>
-            <p:ph idx="1" type="body"/>
+            <p:ph type="body" idx="1"/>
           </p:nvPr>
         </p:nvSpPr>
         <p:spPr>
@@ -3874,11 +3981,11 @@
           </a:prstGeom>
         </p:spPr>
         <p:txBody>
-          <a:bodyPr anchorCtr="0" anchor="t" bIns="91425" lIns="91425" spcFirstLastPara="1" rIns="91425" wrap="square" tIns="91425">
+          <a:bodyPr spcFirstLastPara="1" wrap="square" lIns="91425" tIns="91425" rIns="91425" bIns="91425" anchor="t" anchorCtr="0">
             <a:normAutofit/>
           </a:bodyPr>
           <a:lstStyle>
-            <a:lvl1pPr indent="-304800" lvl="0" marL="457200">
+            <a:lvl1pPr marL="457200" lvl="0" indent="-304800">
               <a:spcBef>
                 <a:spcPts val="0"/>
               </a:spcBef>
@@ -3889,7 +3996,7 @@
               <a:buChar char="●"/>
               <a:defRPr sz="1200"/>
             </a:lvl1pPr>
-            <a:lvl2pPr indent="-304800" lvl="1" marL="914400">
+            <a:lvl2pPr marL="914400" lvl="1" indent="-304800">
               <a:spcBef>
                 <a:spcPts val="0"/>
               </a:spcBef>
@@ -3900,7 +4007,7 @@
               <a:buChar char="○"/>
               <a:defRPr sz="1200"/>
             </a:lvl2pPr>
-            <a:lvl3pPr indent="-304800" lvl="2" marL="1371600">
+            <a:lvl3pPr marL="1371600" lvl="2" indent="-304800">
               <a:spcBef>
                 <a:spcPts val="0"/>
               </a:spcBef>
@@ -3911,7 +4018,7 @@
               <a:buChar char="■"/>
               <a:defRPr sz="1200"/>
             </a:lvl3pPr>
-            <a:lvl4pPr indent="-304800" lvl="3" marL="1828800">
+            <a:lvl4pPr marL="1828800" lvl="3" indent="-304800">
               <a:spcBef>
                 <a:spcPts val="0"/>
               </a:spcBef>
@@ -3922,7 +4029,7 @@
               <a:buChar char="●"/>
               <a:defRPr sz="1200"/>
             </a:lvl4pPr>
-            <a:lvl5pPr indent="-304800" lvl="4" marL="2286000">
+            <a:lvl5pPr marL="2286000" lvl="4" indent="-304800">
               <a:spcBef>
                 <a:spcPts val="0"/>
               </a:spcBef>
@@ -3933,7 +4040,7 @@
               <a:buChar char="○"/>
               <a:defRPr sz="1200"/>
             </a:lvl5pPr>
-            <a:lvl6pPr indent="-304800" lvl="5" marL="2743200">
+            <a:lvl6pPr marL="2743200" lvl="5" indent="-304800">
               <a:spcBef>
                 <a:spcPts val="0"/>
               </a:spcBef>
@@ -3944,7 +4051,7 @@
               <a:buChar char="■"/>
               <a:defRPr sz="1200"/>
             </a:lvl6pPr>
-            <a:lvl7pPr indent="-304800" lvl="6" marL="3200400">
+            <a:lvl7pPr marL="3200400" lvl="6" indent="-304800">
               <a:spcBef>
                 <a:spcPts val="0"/>
               </a:spcBef>
@@ -3955,7 +4062,7 @@
               <a:buChar char="●"/>
               <a:defRPr sz="1200"/>
             </a:lvl7pPr>
-            <a:lvl8pPr indent="-304800" lvl="7" marL="3657600">
+            <a:lvl8pPr marL="3657600" lvl="7" indent="-304800">
               <a:spcBef>
                 <a:spcPts val="0"/>
               </a:spcBef>
@@ -3966,7 +4073,7 @@
               <a:buChar char="○"/>
               <a:defRPr sz="1200"/>
             </a:lvl8pPr>
-            <a:lvl9pPr indent="-304800" lvl="8" marL="4114800">
+            <a:lvl9pPr marL="4114800" lvl="8" indent="-304800">
               <a:spcBef>
                 <a:spcPts val="0"/>
               </a:spcBef>
@@ -3978,15 +4085,19 @@
               <a:defRPr sz="1200"/>
             </a:lvl9pPr>
           </a:lstStyle>
-          <a:p/>
+          <a:p>
+            <a:endParaRPr/>
+          </a:p>
         </p:txBody>
       </p:sp>
       <p:sp>
         <p:nvSpPr>
           <p:cNvPr id="39" name="Google Shape;39;p7"/>
-          <p:cNvSpPr txBox="1"/>
+          <p:cNvSpPr txBox="1">
+            <a:spLocks noGrp="1"/>
+          </p:cNvSpPr>
           <p:nvPr>
-            <p:ph idx="12" type="sldNum"/>
+            <p:ph type="sldNum" idx="12"/>
           </p:nvPr>
         </p:nvSpPr>
         <p:spPr>
@@ -3999,7 +4110,7 @@
           </a:prstGeom>
         </p:spPr>
         <p:txBody>
-          <a:bodyPr anchorCtr="0" anchor="ctr" bIns="91425" lIns="91425" spcFirstLastPara="1" rIns="91425" wrap="square" tIns="91425">
+          <a:bodyPr spcFirstLastPara="1" wrap="square" lIns="91425" tIns="91425" rIns="91425" bIns="91425" anchor="ctr" anchorCtr="0">
             <a:normAutofit/>
           </a:bodyPr>
           <a:lstStyle>
@@ -4041,7 +4152,7 @@
             </a:lvl9pPr>
           </a:lstStyle>
           <a:p>
-            <a:pPr indent="0" lvl="0" marL="0" rtl="0" algn="r">
+            <a:pPr marL="0" lvl="0" indent="0" algn="r" rtl="0">
               <a:spcBef>
                 <a:spcPts val="0"/>
               </a:spcBef>
@@ -4067,11 +4178,11 @@
 </file>
 
 <file path=ppt/slideLayouts/slideLayout7.xml><?xml version="1.0" encoding="utf-8"?>
-<p:sldLayout xmlns:a="http://schemas.openxmlformats.org/drawingml/2006/main" xmlns:r="http://schemas.openxmlformats.org/officeDocument/2006/relationships" xmlns:mc="http://schemas.openxmlformats.org/markup-compatibility/2006" xmlns:mv="urn:schemas-microsoft-com:mac:vml" xmlns:p="http://schemas.openxmlformats.org/presentationml/2006/main" xmlns:c="http://schemas.openxmlformats.org/drawingml/2006/chart" xmlns:dgm="http://schemas.openxmlformats.org/drawingml/2006/diagram" xmlns:o="urn:schemas-microsoft-com:office:office" xmlns:v="urn:schemas-microsoft-com:vml" xmlns:pvml="urn:schemas-microsoft-com:office:powerpoint" xmlns:com="http://schemas.openxmlformats.org/drawingml/2006/compatibility" xmlns:p14="http://schemas.microsoft.com/office/powerpoint/2010/main" xmlns:p15="http://schemas.microsoft.com/office/powerpoint/2012/main" xmlns:ahyp="http://schemas.microsoft.com/office/drawing/2018/hyperlinkcolor" matchingName="Main point">
+<p:sldLayout xmlns:a="http://schemas.openxmlformats.org/drawingml/2006/main" xmlns:r="http://schemas.openxmlformats.org/officeDocument/2006/relationships" xmlns:p="http://schemas.openxmlformats.org/presentationml/2006/main" matchingName="Main point">
   <p:cSld name="MAIN_POINT">
     <p:spTree>
       <p:nvGrpSpPr>
-        <p:cNvPr id="40" name="Shape 40"/>
+        <p:cNvPr id="1" name="Shape 40"/>
         <p:cNvGrpSpPr/>
         <p:nvPr/>
       </p:nvGrpSpPr>
@@ -4086,7 +4197,9 @@
       <p:sp>
         <p:nvSpPr>
           <p:cNvPr id="41" name="Google Shape;41;p8"/>
-          <p:cNvSpPr txBox="1"/>
+          <p:cNvSpPr txBox="1">
+            <a:spLocks noGrp="1"/>
+          </p:cNvSpPr>
           <p:nvPr>
             <p:ph type="title"/>
           </p:nvPr>
@@ -4101,7 +4214,7 @@
           </a:prstGeom>
         </p:spPr>
         <p:txBody>
-          <a:bodyPr anchorCtr="0" anchor="ctr" bIns="91425" lIns="91425" spcFirstLastPara="1" rIns="91425" wrap="square" tIns="91425">
+          <a:bodyPr spcFirstLastPara="1" wrap="square" lIns="91425" tIns="91425" rIns="91425" bIns="91425" anchor="ctr" anchorCtr="0">
             <a:normAutofit/>
           </a:bodyPr>
           <a:lstStyle>
@@ -4205,15 +4318,19 @@
               <a:defRPr sz="4800"/>
             </a:lvl9pPr>
           </a:lstStyle>
-          <a:p/>
+          <a:p>
+            <a:endParaRPr/>
+          </a:p>
         </p:txBody>
       </p:sp>
       <p:sp>
         <p:nvSpPr>
           <p:cNvPr id="42" name="Google Shape;42;p8"/>
-          <p:cNvSpPr txBox="1"/>
+          <p:cNvSpPr txBox="1">
+            <a:spLocks noGrp="1"/>
+          </p:cNvSpPr>
           <p:nvPr>
-            <p:ph idx="12" type="sldNum"/>
+            <p:ph type="sldNum" idx="12"/>
           </p:nvPr>
         </p:nvSpPr>
         <p:spPr>
@@ -4226,7 +4343,7 @@
           </a:prstGeom>
         </p:spPr>
         <p:txBody>
-          <a:bodyPr anchorCtr="0" anchor="ctr" bIns="91425" lIns="91425" spcFirstLastPara="1" rIns="91425" wrap="square" tIns="91425">
+          <a:bodyPr spcFirstLastPara="1" wrap="square" lIns="91425" tIns="91425" rIns="91425" bIns="91425" anchor="ctr" anchorCtr="0">
             <a:normAutofit/>
           </a:bodyPr>
           <a:lstStyle>
@@ -4268,7 +4385,7 @@
             </a:lvl9pPr>
           </a:lstStyle>
           <a:p>
-            <a:pPr indent="0" lvl="0" marL="0" rtl="0" algn="r">
+            <a:pPr marL="0" lvl="0" indent="0" algn="r" rtl="0">
               <a:spcBef>
                 <a:spcPts val="0"/>
               </a:spcBef>
@@ -4294,11 +4411,11 @@
 </file>
 
 <file path=ppt/slideLayouts/slideLayout8.xml><?xml version="1.0" encoding="utf-8"?>
-<p:sldLayout xmlns:a="http://schemas.openxmlformats.org/drawingml/2006/main" xmlns:r="http://schemas.openxmlformats.org/officeDocument/2006/relationships" xmlns:mc="http://schemas.openxmlformats.org/markup-compatibility/2006" xmlns:mv="urn:schemas-microsoft-com:mac:vml" xmlns:p="http://schemas.openxmlformats.org/presentationml/2006/main" xmlns:c="http://schemas.openxmlformats.org/drawingml/2006/chart" xmlns:dgm="http://schemas.openxmlformats.org/drawingml/2006/diagram" xmlns:o="urn:schemas-microsoft-com:office:office" xmlns:v="urn:schemas-microsoft-com:vml" xmlns:pvml="urn:schemas-microsoft-com:office:powerpoint" xmlns:com="http://schemas.openxmlformats.org/drawingml/2006/compatibility" xmlns:p14="http://schemas.microsoft.com/office/powerpoint/2010/main" xmlns:p15="http://schemas.microsoft.com/office/powerpoint/2012/main" xmlns:ahyp="http://schemas.microsoft.com/office/drawing/2018/hyperlinkcolor" matchingName="Section title and description">
+<p:sldLayout xmlns:a="http://schemas.openxmlformats.org/drawingml/2006/main" xmlns:r="http://schemas.openxmlformats.org/officeDocument/2006/relationships" xmlns:p="http://schemas.openxmlformats.org/presentationml/2006/main" matchingName="Section title and description">
   <p:cSld name="SECTION_TITLE_AND_DESCRIPTION">
     <p:spTree>
       <p:nvGrpSpPr>
-        <p:cNvPr id="43" name="Shape 43"/>
+        <p:cNvPr id="1" name="Shape 43"/>
         <p:cNvGrpSpPr/>
         <p:nvPr/>
       </p:nvGrpSpPr>
@@ -4332,12 +4449,12 @@
           </a:ln>
         </p:spPr>
         <p:txBody>
-          <a:bodyPr anchorCtr="0" anchor="ctr" bIns="91425" lIns="91425" spcFirstLastPara="1" rIns="91425" wrap="square" tIns="91425">
+          <a:bodyPr spcFirstLastPara="1" wrap="square" lIns="91425" tIns="91425" rIns="91425" bIns="91425" anchor="ctr" anchorCtr="0">
             <a:noAutofit/>
           </a:bodyPr>
           <a:lstStyle/>
           <a:p>
-            <a:pPr indent="0" lvl="0" marL="0" rtl="0" algn="l">
+            <a:pPr marL="0" lvl="0" indent="0" algn="l" rtl="0">
               <a:spcBef>
                 <a:spcPts val="0"/>
               </a:spcBef>
@@ -4346,9 +4463,6 @@
               </a:spcAft>
               <a:buNone/>
             </a:pPr>
-            <a:r>
-              <a:t/>
-            </a:r>
             <a:endParaRPr/>
           </a:p>
         </p:txBody>
@@ -4356,7 +4470,9 @@
       <p:sp>
         <p:nvSpPr>
           <p:cNvPr id="45" name="Google Shape;45;p9"/>
-          <p:cNvSpPr txBox="1"/>
+          <p:cNvSpPr txBox="1">
+            <a:spLocks noGrp="1"/>
+          </p:cNvSpPr>
           <p:nvPr>
             <p:ph type="title"/>
           </p:nvPr>
@@ -4371,7 +4487,7 @@
           </a:prstGeom>
         </p:spPr>
         <p:txBody>
-          <a:bodyPr anchorCtr="0" anchor="b" bIns="91425" lIns="91425" spcFirstLastPara="1" rIns="91425" wrap="square" tIns="91425">
+          <a:bodyPr spcFirstLastPara="1" wrap="square" lIns="91425" tIns="91425" rIns="91425" bIns="91425" anchor="b" anchorCtr="0">
             <a:normAutofit/>
           </a:bodyPr>
           <a:lstStyle>
@@ -4475,15 +4591,19 @@
               <a:defRPr sz="4200"/>
             </a:lvl9pPr>
           </a:lstStyle>
-          <a:p/>
+          <a:p>
+            <a:endParaRPr/>
+          </a:p>
         </p:txBody>
       </p:sp>
       <p:sp>
         <p:nvSpPr>
           <p:cNvPr id="46" name="Google Shape;46;p9"/>
-          <p:cNvSpPr txBox="1"/>
+          <p:cNvSpPr txBox="1">
+            <a:spLocks noGrp="1"/>
+          </p:cNvSpPr>
           <p:nvPr>
-            <p:ph idx="1" type="subTitle"/>
+            <p:ph type="subTitle" idx="1"/>
           </p:nvPr>
         </p:nvSpPr>
         <p:spPr>
@@ -4496,7 +4616,7 @@
           </a:prstGeom>
         </p:spPr>
         <p:txBody>
-          <a:bodyPr anchorCtr="0" anchor="t" bIns="91425" lIns="91425" spcFirstLastPara="1" rIns="91425" wrap="square" tIns="91425">
+          <a:bodyPr spcFirstLastPara="1" wrap="square" lIns="91425" tIns="91425" rIns="91425" bIns="91425" anchor="t" anchorCtr="0">
             <a:normAutofit/>
           </a:bodyPr>
           <a:lstStyle>
@@ -4627,15 +4747,19 @@
               <a:defRPr sz="2100"/>
             </a:lvl9pPr>
           </a:lstStyle>
-          <a:p/>
+          <a:p>
+            <a:endParaRPr/>
+          </a:p>
         </p:txBody>
       </p:sp>
       <p:sp>
         <p:nvSpPr>
           <p:cNvPr id="47" name="Google Shape;47;p9"/>
-          <p:cNvSpPr txBox="1"/>
+          <p:cNvSpPr txBox="1">
+            <a:spLocks noGrp="1"/>
+          </p:cNvSpPr>
           <p:nvPr>
-            <p:ph idx="2" type="body"/>
+            <p:ph type="body" idx="2"/>
           </p:nvPr>
         </p:nvSpPr>
         <p:spPr>
@@ -4648,11 +4772,11 @@
           </a:prstGeom>
         </p:spPr>
         <p:txBody>
-          <a:bodyPr anchorCtr="0" anchor="ctr" bIns="91425" lIns="91425" spcFirstLastPara="1" rIns="91425" wrap="square" tIns="91425">
+          <a:bodyPr spcFirstLastPara="1" wrap="square" lIns="91425" tIns="91425" rIns="91425" bIns="91425" anchor="ctr" anchorCtr="0">
             <a:normAutofit/>
           </a:bodyPr>
           <a:lstStyle>
-            <a:lvl1pPr indent="-342900" lvl="0" marL="457200">
+            <a:lvl1pPr marL="457200" lvl="0" indent="-342900">
               <a:spcBef>
                 <a:spcPts val="0"/>
               </a:spcBef>
@@ -4663,7 +4787,7 @@
               <a:buChar char="●"/>
               <a:defRPr/>
             </a:lvl1pPr>
-            <a:lvl2pPr indent="-317500" lvl="1" marL="914400">
+            <a:lvl2pPr marL="914400" lvl="1" indent="-317500">
               <a:spcBef>
                 <a:spcPts val="0"/>
               </a:spcBef>
@@ -4674,7 +4798,7 @@
               <a:buChar char="○"/>
               <a:defRPr/>
             </a:lvl2pPr>
-            <a:lvl3pPr indent="-317500" lvl="2" marL="1371600">
+            <a:lvl3pPr marL="1371600" lvl="2" indent="-317500">
               <a:spcBef>
                 <a:spcPts val="0"/>
               </a:spcBef>
@@ -4685,7 +4809,7 @@
               <a:buChar char="■"/>
               <a:defRPr/>
             </a:lvl3pPr>
-            <a:lvl4pPr indent="-317500" lvl="3" marL="1828800">
+            <a:lvl4pPr marL="1828800" lvl="3" indent="-317500">
               <a:spcBef>
                 <a:spcPts val="0"/>
               </a:spcBef>
@@ -4696,7 +4820,7 @@
               <a:buChar char="●"/>
               <a:defRPr/>
             </a:lvl4pPr>
-            <a:lvl5pPr indent="-317500" lvl="4" marL="2286000">
+            <a:lvl5pPr marL="2286000" lvl="4" indent="-317500">
               <a:spcBef>
                 <a:spcPts val="0"/>
               </a:spcBef>
@@ -4707,7 +4831,7 @@
               <a:buChar char="○"/>
               <a:defRPr/>
             </a:lvl5pPr>
-            <a:lvl6pPr indent="-317500" lvl="5" marL="2743200">
+            <a:lvl6pPr marL="2743200" lvl="5" indent="-317500">
               <a:spcBef>
                 <a:spcPts val="0"/>
               </a:spcBef>
@@ -4718,7 +4842,7 @@
               <a:buChar char="■"/>
               <a:defRPr/>
             </a:lvl6pPr>
-            <a:lvl7pPr indent="-317500" lvl="6" marL="3200400">
+            <a:lvl7pPr marL="3200400" lvl="6" indent="-317500">
               <a:spcBef>
                 <a:spcPts val="0"/>
               </a:spcBef>
@@ -4729,7 +4853,7 @@
               <a:buChar char="●"/>
               <a:defRPr/>
             </a:lvl7pPr>
-            <a:lvl8pPr indent="-317500" lvl="7" marL="3657600">
+            <a:lvl8pPr marL="3657600" lvl="7" indent="-317500">
               <a:spcBef>
                 <a:spcPts val="0"/>
               </a:spcBef>
@@ -4740,7 +4864,7 @@
               <a:buChar char="○"/>
               <a:defRPr/>
             </a:lvl8pPr>
-            <a:lvl9pPr indent="-317500" lvl="8" marL="4114800">
+            <a:lvl9pPr marL="4114800" lvl="8" indent="-317500">
               <a:spcBef>
                 <a:spcPts val="0"/>
               </a:spcBef>
@@ -4752,15 +4876,19 @@
               <a:defRPr/>
             </a:lvl9pPr>
           </a:lstStyle>
-          <a:p/>
+          <a:p>
+            <a:endParaRPr/>
+          </a:p>
         </p:txBody>
       </p:sp>
       <p:sp>
         <p:nvSpPr>
           <p:cNvPr id="48" name="Google Shape;48;p9"/>
-          <p:cNvSpPr txBox="1"/>
+          <p:cNvSpPr txBox="1">
+            <a:spLocks noGrp="1"/>
+          </p:cNvSpPr>
           <p:nvPr>
-            <p:ph idx="12" type="sldNum"/>
+            <p:ph type="sldNum" idx="12"/>
           </p:nvPr>
         </p:nvSpPr>
         <p:spPr>
@@ -4773,7 +4901,7 @@
           </a:prstGeom>
         </p:spPr>
         <p:txBody>
-          <a:bodyPr anchorCtr="0" anchor="ctr" bIns="91425" lIns="91425" spcFirstLastPara="1" rIns="91425" wrap="square" tIns="91425">
+          <a:bodyPr spcFirstLastPara="1" wrap="square" lIns="91425" tIns="91425" rIns="91425" bIns="91425" anchor="ctr" anchorCtr="0">
             <a:normAutofit/>
           </a:bodyPr>
           <a:lstStyle>
@@ -4815,7 +4943,7 @@
             </a:lvl9pPr>
           </a:lstStyle>
           <a:p>
-            <a:pPr indent="0" lvl="0" marL="0" rtl="0" algn="r">
+            <a:pPr marL="0" lvl="0" indent="0" algn="r" rtl="0">
               <a:spcBef>
                 <a:spcPts val="0"/>
               </a:spcBef>
@@ -4841,11 +4969,11 @@
 </file>
 
 <file path=ppt/slideLayouts/slideLayout9.xml><?xml version="1.0" encoding="utf-8"?>
-<p:sldLayout xmlns:a="http://schemas.openxmlformats.org/drawingml/2006/main" xmlns:r="http://schemas.openxmlformats.org/officeDocument/2006/relationships" xmlns:mc="http://schemas.openxmlformats.org/markup-compatibility/2006" xmlns:mv="urn:schemas-microsoft-com:mac:vml" xmlns:p="http://schemas.openxmlformats.org/presentationml/2006/main" xmlns:c="http://schemas.openxmlformats.org/drawingml/2006/chart" xmlns:dgm="http://schemas.openxmlformats.org/drawingml/2006/diagram" xmlns:o="urn:schemas-microsoft-com:office:office" xmlns:v="urn:schemas-microsoft-com:vml" xmlns:pvml="urn:schemas-microsoft-com:office:powerpoint" xmlns:com="http://schemas.openxmlformats.org/drawingml/2006/compatibility" xmlns:p14="http://schemas.microsoft.com/office/powerpoint/2010/main" xmlns:p15="http://schemas.microsoft.com/office/powerpoint/2012/main" xmlns:ahyp="http://schemas.microsoft.com/office/drawing/2018/hyperlinkcolor" matchingName="Caption">
+<p:sldLayout xmlns:a="http://schemas.openxmlformats.org/drawingml/2006/main" xmlns:r="http://schemas.openxmlformats.org/officeDocument/2006/relationships" xmlns:p="http://schemas.openxmlformats.org/presentationml/2006/main" matchingName="Caption">
   <p:cSld name="CAPTION_ONLY">
     <p:spTree>
       <p:nvGrpSpPr>
-        <p:cNvPr id="49" name="Shape 49"/>
+        <p:cNvPr id="1" name="Shape 49"/>
         <p:cNvGrpSpPr/>
         <p:nvPr/>
       </p:nvGrpSpPr>
@@ -4860,9 +4988,11 @@
       <p:sp>
         <p:nvSpPr>
           <p:cNvPr id="50" name="Google Shape;50;p10"/>
-          <p:cNvSpPr txBox="1"/>
+          <p:cNvSpPr txBox="1">
+            <a:spLocks noGrp="1"/>
+          </p:cNvSpPr>
           <p:nvPr>
-            <p:ph idx="1" type="body"/>
+            <p:ph type="body" idx="1"/>
           </p:nvPr>
         </p:nvSpPr>
         <p:spPr>
@@ -4875,11 +5005,11 @@
           </a:prstGeom>
         </p:spPr>
         <p:txBody>
-          <a:bodyPr anchorCtr="0" anchor="ctr" bIns="91425" lIns="91425" spcFirstLastPara="1" rIns="91425" wrap="square" tIns="91425">
+          <a:bodyPr spcFirstLastPara="1" wrap="square" lIns="91425" tIns="91425" rIns="91425" bIns="91425" anchor="ctr" anchorCtr="0">
             <a:normAutofit/>
           </a:bodyPr>
           <a:lstStyle>
-            <a:lvl1pPr indent="-228600" lvl="0" marL="457200">
+            <a:lvl1pPr marL="457200" lvl="0" indent="-228600">
               <a:lnSpc>
                 <a:spcPct val="100000"/>
               </a:lnSpc>
@@ -4894,15 +5024,19 @@
               <a:defRPr/>
             </a:lvl1pPr>
           </a:lstStyle>
-          <a:p/>
+          <a:p>
+            <a:endParaRPr/>
+          </a:p>
         </p:txBody>
       </p:sp>
       <p:sp>
         <p:nvSpPr>
           <p:cNvPr id="51" name="Google Shape;51;p10"/>
-          <p:cNvSpPr txBox="1"/>
+          <p:cNvSpPr txBox="1">
+            <a:spLocks noGrp="1"/>
+          </p:cNvSpPr>
           <p:nvPr>
-            <p:ph idx="12" type="sldNum"/>
+            <p:ph type="sldNum" idx="12"/>
           </p:nvPr>
         </p:nvSpPr>
         <p:spPr>
@@ -4915,7 +5049,7 @@
           </a:prstGeom>
         </p:spPr>
         <p:txBody>
-          <a:bodyPr anchorCtr="0" anchor="ctr" bIns="91425" lIns="91425" spcFirstLastPara="1" rIns="91425" wrap="square" tIns="91425">
+          <a:bodyPr spcFirstLastPara="1" wrap="square" lIns="91425" tIns="91425" rIns="91425" bIns="91425" anchor="ctr" anchorCtr="0">
             <a:normAutofit/>
           </a:bodyPr>
           <a:lstStyle>
@@ -4957,7 +5091,7 @@
             </a:lvl9pPr>
           </a:lstStyle>
           <a:p>
-            <a:pPr indent="0" lvl="0" marL="0" rtl="0" algn="r">
+            <a:pPr marL="0" lvl="0" indent="0" algn="r" rtl="0">
               <a:spcBef>
                 <a:spcPts val="0"/>
               </a:spcBef>
@@ -4983,18 +5117,19 @@
 </file>
 
 <file path=ppt/slideMasters/slideMaster1.xml><?xml version="1.0" encoding="utf-8"?>
-<p:sldMaster xmlns:a="http://schemas.openxmlformats.org/drawingml/2006/main" xmlns:r="http://schemas.openxmlformats.org/officeDocument/2006/relationships" xmlns:mc="http://schemas.openxmlformats.org/markup-compatibility/2006" xmlns:mv="urn:schemas-microsoft-com:mac:vml" xmlns:p="http://schemas.openxmlformats.org/presentationml/2006/main" xmlns:c="http://schemas.openxmlformats.org/drawingml/2006/chart" xmlns:dgm="http://schemas.openxmlformats.org/drawingml/2006/diagram" xmlns:o="urn:schemas-microsoft-com:office:office" xmlns:v="urn:schemas-microsoft-com:vml" xmlns:pvml="urn:schemas-microsoft-com:office:powerpoint" xmlns:com="http://schemas.openxmlformats.org/drawingml/2006/compatibility" xmlns:p14="http://schemas.microsoft.com/office/powerpoint/2010/main" xmlns:p15="http://schemas.microsoft.com/office/powerpoint/2012/main" xmlns:ahyp="http://schemas.microsoft.com/office/drawing/2018/hyperlinkcolor">
+<p:sldMaster xmlns:a="http://schemas.openxmlformats.org/drawingml/2006/main" xmlns:r="http://schemas.openxmlformats.org/officeDocument/2006/relationships" xmlns:p="http://schemas.openxmlformats.org/presentationml/2006/main">
   <p:cSld name="simple-light-2">
     <p:bg>
       <p:bgPr>
         <a:solidFill>
           <a:schemeClr val="lt1"/>
         </a:solidFill>
+        <a:effectLst/>
       </p:bgPr>
     </p:bg>
     <p:spTree>
       <p:nvGrpSpPr>
-        <p:cNvPr id="5" name="Shape 5"/>
+        <p:cNvPr id="1" name="Shape 5"/>
         <p:cNvGrpSpPr/>
         <p:nvPr/>
       </p:nvGrpSpPr>
@@ -5009,7 +5144,9 @@
       <p:sp>
         <p:nvSpPr>
           <p:cNvPr id="6" name="Google Shape;6;p1"/>
-          <p:cNvSpPr txBox="1"/>
+          <p:cNvSpPr txBox="1">
+            <a:spLocks noGrp="1"/>
+          </p:cNvSpPr>
           <p:nvPr>
             <p:ph type="title"/>
           </p:nvPr>
@@ -5028,7 +5165,7 @@
           </a:ln>
         </p:spPr>
         <p:txBody>
-          <a:bodyPr anchorCtr="0" anchor="t" bIns="91425" lIns="91425" spcFirstLastPara="1" rIns="91425" wrap="square" tIns="91425">
+          <a:bodyPr spcFirstLastPara="1" wrap="square" lIns="91425" tIns="91425" rIns="91425" bIns="91425" anchor="t" anchorCtr="0">
             <a:normAutofit/>
           </a:bodyPr>
           <a:lstStyle>
@@ -5195,15 +5332,19 @@
               </a:defRPr>
             </a:lvl9pPr>
           </a:lstStyle>
-          <a:p/>
+          <a:p>
+            <a:endParaRPr/>
+          </a:p>
         </p:txBody>
       </p:sp>
       <p:sp>
         <p:nvSpPr>
           <p:cNvPr id="7" name="Google Shape;7;p1"/>
-          <p:cNvSpPr txBox="1"/>
+          <p:cNvSpPr txBox="1">
+            <a:spLocks noGrp="1"/>
+          </p:cNvSpPr>
           <p:nvPr>
-            <p:ph idx="1" type="body"/>
+            <p:ph type="body" idx="1"/>
           </p:nvPr>
         </p:nvSpPr>
         <p:spPr>
@@ -5220,11 +5361,11 @@
           </a:ln>
         </p:spPr>
         <p:txBody>
-          <a:bodyPr anchorCtr="0" anchor="t" bIns="91425" lIns="91425" spcFirstLastPara="1" rIns="91425" wrap="square" tIns="91425">
+          <a:bodyPr spcFirstLastPara="1" wrap="square" lIns="91425" tIns="91425" rIns="91425" bIns="91425" anchor="t" anchorCtr="0">
             <a:normAutofit/>
           </a:bodyPr>
           <a:lstStyle>
-            <a:lvl1pPr indent="-342900" lvl="0" marL="457200">
+            <a:lvl1pPr marL="457200" lvl="0" indent="-342900">
               <a:lnSpc>
                 <a:spcPct val="115000"/>
               </a:lnSpc>
@@ -5245,7 +5386,7 @@
                 </a:solidFill>
               </a:defRPr>
             </a:lvl1pPr>
-            <a:lvl2pPr indent="-317500" lvl="1" marL="914400">
+            <a:lvl2pPr marL="914400" lvl="1" indent="-317500">
               <a:lnSpc>
                 <a:spcPct val="115000"/>
               </a:lnSpc>
@@ -5266,7 +5407,7 @@
                 </a:solidFill>
               </a:defRPr>
             </a:lvl2pPr>
-            <a:lvl3pPr indent="-317500" lvl="2" marL="1371600">
+            <a:lvl3pPr marL="1371600" lvl="2" indent="-317500">
               <a:lnSpc>
                 <a:spcPct val="115000"/>
               </a:lnSpc>
@@ -5287,7 +5428,7 @@
                 </a:solidFill>
               </a:defRPr>
             </a:lvl3pPr>
-            <a:lvl4pPr indent="-317500" lvl="3" marL="1828800">
+            <a:lvl4pPr marL="1828800" lvl="3" indent="-317500">
               <a:lnSpc>
                 <a:spcPct val="115000"/>
               </a:lnSpc>
@@ -5308,7 +5449,7 @@
                 </a:solidFill>
               </a:defRPr>
             </a:lvl4pPr>
-            <a:lvl5pPr indent="-317500" lvl="4" marL="2286000">
+            <a:lvl5pPr marL="2286000" lvl="4" indent="-317500">
               <a:lnSpc>
                 <a:spcPct val="115000"/>
               </a:lnSpc>
@@ -5329,7 +5470,7 @@
                 </a:solidFill>
               </a:defRPr>
             </a:lvl5pPr>
-            <a:lvl6pPr indent="-317500" lvl="5" marL="2743200">
+            <a:lvl6pPr marL="2743200" lvl="5" indent="-317500">
               <a:lnSpc>
                 <a:spcPct val="115000"/>
               </a:lnSpc>
@@ -5350,7 +5491,7 @@
                 </a:solidFill>
               </a:defRPr>
             </a:lvl6pPr>
-            <a:lvl7pPr indent="-317500" lvl="6" marL="3200400">
+            <a:lvl7pPr marL="3200400" lvl="6" indent="-317500">
               <a:lnSpc>
                 <a:spcPct val="115000"/>
               </a:lnSpc>
@@ -5371,7 +5512,7 @@
                 </a:solidFill>
               </a:defRPr>
             </a:lvl7pPr>
-            <a:lvl8pPr indent="-317500" lvl="7" marL="3657600">
+            <a:lvl8pPr marL="3657600" lvl="7" indent="-317500">
               <a:lnSpc>
                 <a:spcPct val="115000"/>
               </a:lnSpc>
@@ -5392,7 +5533,7 @@
                 </a:solidFill>
               </a:defRPr>
             </a:lvl8pPr>
-            <a:lvl9pPr indent="-317500" lvl="8" marL="4114800">
+            <a:lvl9pPr marL="4114800" lvl="8" indent="-317500">
               <a:lnSpc>
                 <a:spcPct val="115000"/>
               </a:lnSpc>
@@ -5414,15 +5555,19 @@
               </a:defRPr>
             </a:lvl9pPr>
           </a:lstStyle>
-          <a:p/>
+          <a:p>
+            <a:endParaRPr/>
+          </a:p>
         </p:txBody>
       </p:sp>
       <p:sp>
         <p:nvSpPr>
           <p:cNvPr id="8" name="Google Shape;8;p1"/>
-          <p:cNvSpPr txBox="1"/>
+          <p:cNvSpPr txBox="1">
+            <a:spLocks noGrp="1"/>
+          </p:cNvSpPr>
           <p:nvPr>
-            <p:ph idx="12" type="sldNum"/>
+            <p:ph type="sldNum" idx="12"/>
           </p:nvPr>
         </p:nvSpPr>
         <p:spPr>
@@ -5439,7 +5584,7 @@
           </a:ln>
         </p:spPr>
         <p:txBody>
-          <a:bodyPr anchorCtr="0" anchor="ctr" bIns="91425" lIns="91425" spcFirstLastPara="1" rIns="91425" wrap="square" tIns="91425">
+          <a:bodyPr spcFirstLastPara="1" wrap="square" lIns="91425" tIns="91425" rIns="91425" bIns="91425" anchor="ctr" anchorCtr="0">
             <a:normAutofit/>
           </a:bodyPr>
           <a:lstStyle>
@@ -5517,7 +5662,7 @@
             </a:lvl9pPr>
           </a:lstStyle>
           <a:p>
-            <a:pPr indent="0" lvl="0" marL="0" rtl="0" algn="r">
+            <a:pPr marL="0" lvl="0" indent="0" algn="r" rtl="0">
               <a:spcBef>
                 <a:spcPts val="0"/>
               </a:spcBef>
@@ -5541,7 +5686,7 @@
           <p:nvPr/>
         </p:nvPicPr>
         <p:blipFill>
-          <a:blip r:embed="rId1">
+          <a:blip r:embed="rId13">
             <a:alphaModFix/>
           </a:blip>
           <a:stretch>
@@ -5564,24 +5709,24 @@
       </p:pic>
     </p:spTree>
   </p:cSld>
-  <p:clrMap accent1="accent1" accent2="accent2" accent3="accent3" accent4="accent4" accent5="accent5" accent6="accent6" bg1="lt1" bg2="dk2" tx1="dk1" tx2="lt2" folHlink="folHlink" hlink="hlink"/>
+  <p:clrMap bg1="lt1" tx1="dk1" bg2="dk2" tx2="lt2" accent1="accent1" accent2="accent2" accent3="accent3" accent4="accent4" accent5="accent5" accent6="accent6" hlink="hlink" folHlink="folHlink"/>
   <p:sldLayoutIdLst>
-    <p:sldLayoutId id="2147483648" r:id="rId2"/>
-    <p:sldLayoutId id="2147483649" r:id="rId3"/>
-    <p:sldLayoutId id="2147483650" r:id="rId4"/>
-    <p:sldLayoutId id="2147483651" r:id="rId5"/>
-    <p:sldLayoutId id="2147483652" r:id="rId6"/>
-    <p:sldLayoutId id="2147483653" r:id="rId7"/>
-    <p:sldLayoutId id="2147483654" r:id="rId8"/>
-    <p:sldLayoutId id="2147483655" r:id="rId9"/>
-    <p:sldLayoutId id="2147483656" r:id="rId10"/>
-    <p:sldLayoutId id="2147483657" r:id="rId11"/>
-    <p:sldLayoutId id="2147483658" r:id="rId12"/>
+    <p:sldLayoutId id="2147483648" r:id="rId1"/>
+    <p:sldLayoutId id="2147483649" r:id="rId2"/>
+    <p:sldLayoutId id="2147483650" r:id="rId3"/>
+    <p:sldLayoutId id="2147483651" r:id="rId4"/>
+    <p:sldLayoutId id="2147483652" r:id="rId5"/>
+    <p:sldLayoutId id="2147483653" r:id="rId6"/>
+    <p:sldLayoutId id="2147483654" r:id="rId7"/>
+    <p:sldLayoutId id="2147483655" r:id="rId8"/>
+    <p:sldLayoutId id="2147483656" r:id="rId9"/>
+    <p:sldLayoutId id="2147483657" r:id="rId10"/>
+    <p:sldLayoutId id="2147483658" r:id="rId11"/>
   </p:sldLayoutIdLst>
-  <p:hf dt="0" ftr="0" hdr="0" sldNum="0"/>
+  <p:hf sldNum="0" hdr="0" ftr="0" dt="0"/>
   <p:txStyles>
     <p:titleStyle>
-      <a:defPPr lvl="0" marR="0" rtl="0" algn="l">
+      <a:defPPr marR="0" lvl="0" algn="l" rtl="0">
         <a:lnSpc>
           <a:spcPct val="100000"/>
         </a:lnSpc>
@@ -5592,7 +5737,7 @@
           <a:spcPts val="0"/>
         </a:spcAft>
       </a:defPPr>
-      <a:lvl1pPr lvl="0" marR="0" rtl="0" algn="l">
+      <a:lvl1pPr marR="0" lvl="0" algn="l" rtl="0">
         <a:lnSpc>
           <a:spcPct val="100000"/>
         </a:lnSpc>
@@ -5606,7 +5751,7 @@
           <a:srgbClr val="000000"/>
         </a:buClr>
         <a:buFont typeface="Arial"/>
-        <a:defRPr b="0" i="0" sz="1400" u="none" cap="none" strike="noStrike">
+        <a:defRPr sz="1400" b="0" i="0" u="none" strike="noStrike" cap="none">
           <a:solidFill>
             <a:srgbClr val="000000"/>
           </a:solidFill>
@@ -5616,7 +5761,7 @@
           <a:sym typeface="Arial"/>
         </a:defRPr>
       </a:lvl1pPr>
-      <a:lvl2pPr lvl="1" marR="0" rtl="0" algn="l">
+      <a:lvl2pPr marR="0" lvl="1" algn="l" rtl="0">
         <a:lnSpc>
           <a:spcPct val="100000"/>
         </a:lnSpc>
@@ -5630,7 +5775,7 @@
           <a:srgbClr val="000000"/>
         </a:buClr>
         <a:buFont typeface="Arial"/>
-        <a:defRPr b="0" i="0" sz="1400" u="none" cap="none" strike="noStrike">
+        <a:defRPr sz="1400" b="0" i="0" u="none" strike="noStrike" cap="none">
           <a:solidFill>
             <a:srgbClr val="000000"/>
           </a:solidFill>
@@ -5640,7 +5785,7 @@
           <a:sym typeface="Arial"/>
         </a:defRPr>
       </a:lvl2pPr>
-      <a:lvl3pPr lvl="2" marR="0" rtl="0" algn="l">
+      <a:lvl3pPr marR="0" lvl="2" algn="l" rtl="0">
         <a:lnSpc>
           <a:spcPct val="100000"/>
         </a:lnSpc>
@@ -5654,7 +5799,7 @@
           <a:srgbClr val="000000"/>
         </a:buClr>
         <a:buFont typeface="Arial"/>
-        <a:defRPr b="0" i="0" sz="1400" u="none" cap="none" strike="noStrike">
+        <a:defRPr sz="1400" b="0" i="0" u="none" strike="noStrike" cap="none">
           <a:solidFill>
             <a:srgbClr val="000000"/>
           </a:solidFill>
@@ -5664,7 +5809,7 @@
           <a:sym typeface="Arial"/>
         </a:defRPr>
       </a:lvl3pPr>
-      <a:lvl4pPr lvl="3" marR="0" rtl="0" algn="l">
+      <a:lvl4pPr marR="0" lvl="3" algn="l" rtl="0">
         <a:lnSpc>
           <a:spcPct val="100000"/>
         </a:lnSpc>
@@ -5678,7 +5823,7 @@
           <a:srgbClr val="000000"/>
         </a:buClr>
         <a:buFont typeface="Arial"/>
-        <a:defRPr b="0" i="0" sz="1400" u="none" cap="none" strike="noStrike">
+        <a:defRPr sz="1400" b="0" i="0" u="none" strike="noStrike" cap="none">
           <a:solidFill>
             <a:srgbClr val="000000"/>
           </a:solidFill>
@@ -5688,7 +5833,7 @@
           <a:sym typeface="Arial"/>
         </a:defRPr>
       </a:lvl4pPr>
-      <a:lvl5pPr lvl="4" marR="0" rtl="0" algn="l">
+      <a:lvl5pPr marR="0" lvl="4" algn="l" rtl="0">
         <a:lnSpc>
           <a:spcPct val="100000"/>
         </a:lnSpc>
@@ -5702,7 +5847,7 @@
           <a:srgbClr val="000000"/>
         </a:buClr>
         <a:buFont typeface="Arial"/>
-        <a:defRPr b="0" i="0" sz="1400" u="none" cap="none" strike="noStrike">
+        <a:defRPr sz="1400" b="0" i="0" u="none" strike="noStrike" cap="none">
           <a:solidFill>
             <a:srgbClr val="000000"/>
           </a:solidFill>
@@ -5712,7 +5857,7 @@
           <a:sym typeface="Arial"/>
         </a:defRPr>
       </a:lvl5pPr>
-      <a:lvl6pPr lvl="5" marR="0" rtl="0" algn="l">
+      <a:lvl6pPr marR="0" lvl="5" algn="l" rtl="0">
         <a:lnSpc>
           <a:spcPct val="100000"/>
         </a:lnSpc>
@@ -5726,7 +5871,7 @@
           <a:srgbClr val="000000"/>
         </a:buClr>
         <a:buFont typeface="Arial"/>
-        <a:defRPr b="0" i="0" sz="1400" u="none" cap="none" strike="noStrike">
+        <a:defRPr sz="1400" b="0" i="0" u="none" strike="noStrike" cap="none">
           <a:solidFill>
             <a:srgbClr val="000000"/>
           </a:solidFill>
@@ -5736,7 +5881,7 @@
           <a:sym typeface="Arial"/>
         </a:defRPr>
       </a:lvl6pPr>
-      <a:lvl7pPr lvl="6" marR="0" rtl="0" algn="l">
+      <a:lvl7pPr marR="0" lvl="6" algn="l" rtl="0">
         <a:lnSpc>
           <a:spcPct val="100000"/>
         </a:lnSpc>
@@ -5750,7 +5895,7 @@
           <a:srgbClr val="000000"/>
         </a:buClr>
         <a:buFont typeface="Arial"/>
-        <a:defRPr b="0" i="0" sz="1400" u="none" cap="none" strike="noStrike">
+        <a:defRPr sz="1400" b="0" i="0" u="none" strike="noStrike" cap="none">
           <a:solidFill>
             <a:srgbClr val="000000"/>
           </a:solidFill>
@@ -5760,7 +5905,7 @@
           <a:sym typeface="Arial"/>
         </a:defRPr>
       </a:lvl7pPr>
-      <a:lvl8pPr lvl="7" marR="0" rtl="0" algn="l">
+      <a:lvl8pPr marR="0" lvl="7" algn="l" rtl="0">
         <a:lnSpc>
           <a:spcPct val="100000"/>
         </a:lnSpc>
@@ -5774,7 +5919,7 @@
           <a:srgbClr val="000000"/>
         </a:buClr>
         <a:buFont typeface="Arial"/>
-        <a:defRPr b="0" i="0" sz="1400" u="none" cap="none" strike="noStrike">
+        <a:defRPr sz="1400" b="0" i="0" u="none" strike="noStrike" cap="none">
           <a:solidFill>
             <a:srgbClr val="000000"/>
           </a:solidFill>
@@ -5784,7 +5929,7 @@
           <a:sym typeface="Arial"/>
         </a:defRPr>
       </a:lvl8pPr>
-      <a:lvl9pPr lvl="8" marR="0" rtl="0" algn="l">
+      <a:lvl9pPr marR="0" lvl="8" algn="l" rtl="0">
         <a:lnSpc>
           <a:spcPct val="100000"/>
         </a:lnSpc>
@@ -5798,7 +5943,7 @@
           <a:srgbClr val="000000"/>
         </a:buClr>
         <a:buFont typeface="Arial"/>
-        <a:defRPr b="0" i="0" sz="1400" u="none" cap="none" strike="noStrike">
+        <a:defRPr sz="1400" b="0" i="0" u="none" strike="noStrike" cap="none">
           <a:solidFill>
             <a:srgbClr val="000000"/>
           </a:solidFill>
@@ -5810,7 +5955,7 @@
       </a:lvl9pPr>
     </p:titleStyle>
     <p:bodyStyle>
-      <a:defPPr lvl="0" marR="0" rtl="0" algn="l">
+      <a:defPPr marR="0" lvl="0" algn="l" rtl="0">
         <a:lnSpc>
           <a:spcPct val="100000"/>
         </a:lnSpc>
@@ -5821,7 +5966,7 @@
           <a:spcPts val="0"/>
         </a:spcAft>
       </a:defPPr>
-      <a:lvl1pPr lvl="0" marR="0" rtl="0" algn="l">
+      <a:lvl1pPr marR="0" lvl="0" algn="l" rtl="0">
         <a:lnSpc>
           <a:spcPct val="100000"/>
         </a:lnSpc>
@@ -5835,7 +5980,7 @@
           <a:srgbClr val="000000"/>
         </a:buClr>
         <a:buFont typeface="Arial"/>
-        <a:defRPr b="0" i="0" sz="1400" u="none" cap="none" strike="noStrike">
+        <a:defRPr sz="1400" b="0" i="0" u="none" strike="noStrike" cap="none">
           <a:solidFill>
             <a:srgbClr val="000000"/>
           </a:solidFill>
@@ -5845,7 +5990,7 @@
           <a:sym typeface="Arial"/>
         </a:defRPr>
       </a:lvl1pPr>
-      <a:lvl2pPr lvl="1" marR="0" rtl="0" algn="l">
+      <a:lvl2pPr marR="0" lvl="1" algn="l" rtl="0">
         <a:lnSpc>
           <a:spcPct val="100000"/>
         </a:lnSpc>
@@ -5859,7 +6004,7 @@
           <a:srgbClr val="000000"/>
         </a:buClr>
         <a:buFont typeface="Arial"/>
-        <a:defRPr b="0" i="0" sz="1400" u="none" cap="none" strike="noStrike">
+        <a:defRPr sz="1400" b="0" i="0" u="none" strike="noStrike" cap="none">
           <a:solidFill>
             <a:srgbClr val="000000"/>
           </a:solidFill>
@@ -5869,7 +6014,7 @@
           <a:sym typeface="Arial"/>
         </a:defRPr>
       </a:lvl2pPr>
-      <a:lvl3pPr lvl="2" marR="0" rtl="0" algn="l">
+      <a:lvl3pPr marR="0" lvl="2" algn="l" rtl="0">
         <a:lnSpc>
           <a:spcPct val="100000"/>
         </a:lnSpc>
@@ -5883,7 +6028,7 @@
           <a:srgbClr val="000000"/>
         </a:buClr>
         <a:buFont typeface="Arial"/>
-        <a:defRPr b="0" i="0" sz="1400" u="none" cap="none" strike="noStrike">
+        <a:defRPr sz="1400" b="0" i="0" u="none" strike="noStrike" cap="none">
           <a:solidFill>
             <a:srgbClr val="000000"/>
           </a:solidFill>
@@ -5893,7 +6038,7 @@
           <a:sym typeface="Arial"/>
         </a:defRPr>
       </a:lvl3pPr>
-      <a:lvl4pPr lvl="3" marR="0" rtl="0" algn="l">
+      <a:lvl4pPr marR="0" lvl="3" algn="l" rtl="0">
         <a:lnSpc>
           <a:spcPct val="100000"/>
         </a:lnSpc>
@@ -5907,7 +6052,7 @@
           <a:srgbClr val="000000"/>
         </a:buClr>
         <a:buFont typeface="Arial"/>
-        <a:defRPr b="0" i="0" sz="1400" u="none" cap="none" strike="noStrike">
+        <a:defRPr sz="1400" b="0" i="0" u="none" strike="noStrike" cap="none">
           <a:solidFill>
             <a:srgbClr val="000000"/>
           </a:solidFill>
@@ -5917,7 +6062,7 @@
           <a:sym typeface="Arial"/>
         </a:defRPr>
       </a:lvl4pPr>
-      <a:lvl5pPr lvl="4" marR="0" rtl="0" algn="l">
+      <a:lvl5pPr marR="0" lvl="4" algn="l" rtl="0">
         <a:lnSpc>
           <a:spcPct val="100000"/>
         </a:lnSpc>
@@ -5931,7 +6076,7 @@
           <a:srgbClr val="000000"/>
         </a:buClr>
         <a:buFont typeface="Arial"/>
-        <a:defRPr b="0" i="0" sz="1400" u="none" cap="none" strike="noStrike">
+        <a:defRPr sz="1400" b="0" i="0" u="none" strike="noStrike" cap="none">
           <a:solidFill>
             <a:srgbClr val="000000"/>
           </a:solidFill>
@@ -5941,7 +6086,7 @@
           <a:sym typeface="Arial"/>
         </a:defRPr>
       </a:lvl5pPr>
-      <a:lvl6pPr lvl="5" marR="0" rtl="0" algn="l">
+      <a:lvl6pPr marR="0" lvl="5" algn="l" rtl="0">
         <a:lnSpc>
           <a:spcPct val="100000"/>
         </a:lnSpc>
@@ -5955,7 +6100,7 @@
           <a:srgbClr val="000000"/>
         </a:buClr>
         <a:buFont typeface="Arial"/>
-        <a:defRPr b="0" i="0" sz="1400" u="none" cap="none" strike="noStrike">
+        <a:defRPr sz="1400" b="0" i="0" u="none" strike="noStrike" cap="none">
           <a:solidFill>
             <a:srgbClr val="000000"/>
           </a:solidFill>
@@ -5965,7 +6110,7 @@
           <a:sym typeface="Arial"/>
         </a:defRPr>
       </a:lvl6pPr>
-      <a:lvl7pPr lvl="6" marR="0" rtl="0" algn="l">
+      <a:lvl7pPr marR="0" lvl="6" algn="l" rtl="0">
         <a:lnSpc>
           <a:spcPct val="100000"/>
         </a:lnSpc>
@@ -5979,7 +6124,7 @@
           <a:srgbClr val="000000"/>
         </a:buClr>
         <a:buFont typeface="Arial"/>
-        <a:defRPr b="0" i="0" sz="1400" u="none" cap="none" strike="noStrike">
+        <a:defRPr sz="1400" b="0" i="0" u="none" strike="noStrike" cap="none">
           <a:solidFill>
             <a:srgbClr val="000000"/>
           </a:solidFill>
@@ -5989,7 +6134,7 @@
           <a:sym typeface="Arial"/>
         </a:defRPr>
       </a:lvl7pPr>
-      <a:lvl8pPr lvl="7" marR="0" rtl="0" algn="l">
+      <a:lvl8pPr marR="0" lvl="7" algn="l" rtl="0">
         <a:lnSpc>
           <a:spcPct val="100000"/>
         </a:lnSpc>
@@ -6003,7 +6148,7 @@
           <a:srgbClr val="000000"/>
         </a:buClr>
         <a:buFont typeface="Arial"/>
-        <a:defRPr b="0" i="0" sz="1400" u="none" cap="none" strike="noStrike">
+        <a:defRPr sz="1400" b="0" i="0" u="none" strike="noStrike" cap="none">
           <a:solidFill>
             <a:srgbClr val="000000"/>
           </a:solidFill>
@@ -6013,7 +6158,7 @@
           <a:sym typeface="Arial"/>
         </a:defRPr>
       </a:lvl8pPr>
-      <a:lvl9pPr lvl="8" marR="0" rtl="0" algn="l">
+      <a:lvl9pPr marR="0" lvl="8" algn="l" rtl="0">
         <a:lnSpc>
           <a:spcPct val="100000"/>
         </a:lnSpc>
@@ -6027,7 +6172,7 @@
           <a:srgbClr val="000000"/>
         </a:buClr>
         <a:buFont typeface="Arial"/>
-        <a:defRPr b="0" i="0" sz="1400" u="none" cap="none" strike="noStrike">
+        <a:defRPr sz="1400" b="0" i="0" u="none" strike="noStrike" cap="none">
           <a:solidFill>
             <a:srgbClr val="000000"/>
           </a:solidFill>
@@ -6039,7 +6184,7 @@
       </a:lvl9pPr>
     </p:bodyStyle>
     <p:otherStyle>
-      <a:defPPr lvl="0" marR="0" rtl="0" algn="l">
+      <a:defPPr marR="0" lvl="0" algn="l" rtl="0">
         <a:lnSpc>
           <a:spcPct val="100000"/>
         </a:lnSpc>
@@ -6050,7 +6195,7 @@
           <a:spcPts val="0"/>
         </a:spcAft>
       </a:defPPr>
-      <a:lvl1pPr lvl="0" marR="0" rtl="0" algn="l">
+      <a:lvl1pPr marR="0" lvl="0" algn="l" rtl="0">
         <a:lnSpc>
           <a:spcPct val="100000"/>
         </a:lnSpc>
@@ -6064,7 +6209,7 @@
           <a:srgbClr val="000000"/>
         </a:buClr>
         <a:buFont typeface="Arial"/>
-        <a:defRPr b="0" i="0" sz="1400" u="none" cap="none" strike="noStrike">
+        <a:defRPr sz="1400" b="0" i="0" u="none" strike="noStrike" cap="none">
           <a:solidFill>
             <a:srgbClr val="000000"/>
           </a:solidFill>
@@ -6074,7 +6219,7 @@
           <a:sym typeface="Arial"/>
         </a:defRPr>
       </a:lvl1pPr>
-      <a:lvl2pPr lvl="1" marR="0" rtl="0" algn="l">
+      <a:lvl2pPr marR="0" lvl="1" algn="l" rtl="0">
         <a:lnSpc>
           <a:spcPct val="100000"/>
         </a:lnSpc>
@@ -6088,7 +6233,7 @@
           <a:srgbClr val="000000"/>
         </a:buClr>
         <a:buFont typeface="Arial"/>
-        <a:defRPr b="0" i="0" sz="1400" u="none" cap="none" strike="noStrike">
+        <a:defRPr sz="1400" b="0" i="0" u="none" strike="noStrike" cap="none">
           <a:solidFill>
             <a:srgbClr val="000000"/>
           </a:solidFill>
@@ -6098,7 +6243,7 @@
           <a:sym typeface="Arial"/>
         </a:defRPr>
       </a:lvl2pPr>
-      <a:lvl3pPr lvl="2" marR="0" rtl="0" algn="l">
+      <a:lvl3pPr marR="0" lvl="2" algn="l" rtl="0">
         <a:lnSpc>
           <a:spcPct val="100000"/>
         </a:lnSpc>
@@ -6112,7 +6257,7 @@
           <a:srgbClr val="000000"/>
         </a:buClr>
         <a:buFont typeface="Arial"/>
-        <a:defRPr b="0" i="0" sz="1400" u="none" cap="none" strike="noStrike">
+        <a:defRPr sz="1400" b="0" i="0" u="none" strike="noStrike" cap="none">
           <a:solidFill>
             <a:srgbClr val="000000"/>
           </a:solidFill>
@@ -6122,7 +6267,7 @@
           <a:sym typeface="Arial"/>
         </a:defRPr>
       </a:lvl3pPr>
-      <a:lvl4pPr lvl="3" marR="0" rtl="0" algn="l">
+      <a:lvl4pPr marR="0" lvl="3" algn="l" rtl="0">
         <a:lnSpc>
           <a:spcPct val="100000"/>
         </a:lnSpc>
@@ -6136,7 +6281,7 @@
           <a:srgbClr val="000000"/>
         </a:buClr>
         <a:buFont typeface="Arial"/>
-        <a:defRPr b="0" i="0" sz="1400" u="none" cap="none" strike="noStrike">
+        <a:defRPr sz="1400" b="0" i="0" u="none" strike="noStrike" cap="none">
           <a:solidFill>
             <a:srgbClr val="000000"/>
           </a:solidFill>
@@ -6146,7 +6291,7 @@
           <a:sym typeface="Arial"/>
         </a:defRPr>
       </a:lvl4pPr>
-      <a:lvl5pPr lvl="4" marR="0" rtl="0" algn="l">
+      <a:lvl5pPr marR="0" lvl="4" algn="l" rtl="0">
         <a:lnSpc>
           <a:spcPct val="100000"/>
         </a:lnSpc>
@@ -6160,7 +6305,7 @@
           <a:srgbClr val="000000"/>
         </a:buClr>
         <a:buFont typeface="Arial"/>
-        <a:defRPr b="0" i="0" sz="1400" u="none" cap="none" strike="noStrike">
+        <a:defRPr sz="1400" b="0" i="0" u="none" strike="noStrike" cap="none">
           <a:solidFill>
             <a:srgbClr val="000000"/>
           </a:solidFill>
@@ -6170,7 +6315,7 @@
           <a:sym typeface="Arial"/>
         </a:defRPr>
       </a:lvl5pPr>
-      <a:lvl6pPr lvl="5" marR="0" rtl="0" algn="l">
+      <a:lvl6pPr marR="0" lvl="5" algn="l" rtl="0">
         <a:lnSpc>
           <a:spcPct val="100000"/>
         </a:lnSpc>
@@ -6184,7 +6329,7 @@
           <a:srgbClr val="000000"/>
         </a:buClr>
         <a:buFont typeface="Arial"/>
-        <a:defRPr b="0" i="0" sz="1400" u="none" cap="none" strike="noStrike">
+        <a:defRPr sz="1400" b="0" i="0" u="none" strike="noStrike" cap="none">
           <a:solidFill>
             <a:srgbClr val="000000"/>
           </a:solidFill>
@@ -6194,7 +6339,7 @@
           <a:sym typeface="Arial"/>
         </a:defRPr>
       </a:lvl6pPr>
-      <a:lvl7pPr lvl="6" marR="0" rtl="0" algn="l">
+      <a:lvl7pPr marR="0" lvl="6" algn="l" rtl="0">
         <a:lnSpc>
           <a:spcPct val="100000"/>
         </a:lnSpc>
@@ -6208,7 +6353,7 @@
           <a:srgbClr val="000000"/>
         </a:buClr>
         <a:buFont typeface="Arial"/>
-        <a:defRPr b="0" i="0" sz="1400" u="none" cap="none" strike="noStrike">
+        <a:defRPr sz="1400" b="0" i="0" u="none" strike="noStrike" cap="none">
           <a:solidFill>
             <a:srgbClr val="000000"/>
           </a:solidFill>
@@ -6218,7 +6363,7 @@
           <a:sym typeface="Arial"/>
         </a:defRPr>
       </a:lvl7pPr>
-      <a:lvl8pPr lvl="7" marR="0" rtl="0" algn="l">
+      <a:lvl8pPr marR="0" lvl="7" algn="l" rtl="0">
         <a:lnSpc>
           <a:spcPct val="100000"/>
         </a:lnSpc>
@@ -6232,7 +6377,7 @@
           <a:srgbClr val="000000"/>
         </a:buClr>
         <a:buFont typeface="Arial"/>
-        <a:defRPr b="0" i="0" sz="1400" u="none" cap="none" strike="noStrike">
+        <a:defRPr sz="1400" b="0" i="0" u="none" strike="noStrike" cap="none">
           <a:solidFill>
             <a:srgbClr val="000000"/>
           </a:solidFill>
@@ -6242,7 +6387,7 @@
           <a:sym typeface="Arial"/>
         </a:defRPr>
       </a:lvl8pPr>
-      <a:lvl9pPr lvl="8" marR="0" rtl="0" algn="l">
+      <a:lvl9pPr marR="0" lvl="8" algn="l" rtl="0">
         <a:lnSpc>
           <a:spcPct val="100000"/>
         </a:lnSpc>
@@ -6256,7 +6401,7 @@
           <a:srgbClr val="000000"/>
         </a:buClr>
         <a:buFont typeface="Arial"/>
-        <a:defRPr b="0" i="0" sz="1400" u="none" cap="none" strike="noStrike">
+        <a:defRPr sz="1400" b="0" i="0" u="none" strike="noStrike" cap="none">
           <a:solidFill>
             <a:srgbClr val="000000"/>
           </a:solidFill>
@@ -6272,11 +6417,11 @@
 </file>
 
 <file path=ppt/slides/slide1.xml><?xml version="1.0" encoding="utf-8"?>
-<p:sld xmlns:a="http://schemas.openxmlformats.org/drawingml/2006/main" xmlns:r="http://schemas.openxmlformats.org/officeDocument/2006/relationships" xmlns:mc="http://schemas.openxmlformats.org/markup-compatibility/2006" xmlns:mv="urn:schemas-microsoft-com:mac:vml" xmlns:p="http://schemas.openxmlformats.org/presentationml/2006/main" xmlns:c="http://schemas.openxmlformats.org/drawingml/2006/chart" xmlns:dgm="http://schemas.openxmlformats.org/drawingml/2006/diagram" xmlns:o="urn:schemas-microsoft-com:office:office" xmlns:v="urn:schemas-microsoft-com:vml" xmlns:pvml="urn:schemas-microsoft-com:office:powerpoint" xmlns:com="http://schemas.openxmlformats.org/drawingml/2006/compatibility" xmlns:p14="http://schemas.microsoft.com/office/powerpoint/2010/main" xmlns:p15="http://schemas.microsoft.com/office/powerpoint/2012/main" xmlns:ahyp="http://schemas.microsoft.com/office/drawing/2018/hyperlinkcolor">
+<p:sld xmlns:a="http://schemas.openxmlformats.org/drawingml/2006/main" xmlns:r="http://schemas.openxmlformats.org/officeDocument/2006/relationships" xmlns:p="http://schemas.openxmlformats.org/presentationml/2006/main">
   <p:cSld>
     <p:spTree>
       <p:nvGrpSpPr>
-        <p:cNvPr id="61" name="Shape 61"/>
+        <p:cNvPr id="1" name="Shape 61"/>
         <p:cNvGrpSpPr/>
         <p:nvPr/>
       </p:nvGrpSpPr>
@@ -6291,7 +6436,9 @@
       <p:sp>
         <p:nvSpPr>
           <p:cNvPr id="62" name="Google Shape;62;p13"/>
-          <p:cNvSpPr txBox="1"/>
+          <p:cNvSpPr txBox="1">
+            <a:spLocks noGrp="1"/>
+          </p:cNvSpPr>
           <p:nvPr>
             <p:ph type="ctrTitle"/>
           </p:nvPr>
@@ -6306,12 +6453,12 @@
           </a:prstGeom>
         </p:spPr>
         <p:txBody>
-          <a:bodyPr anchorCtr="0" anchor="b" bIns="91425" lIns="91425" spcFirstLastPara="1" rIns="91425" wrap="square" tIns="91425">
+          <a:bodyPr spcFirstLastPara="1" wrap="square" lIns="91425" tIns="91425" rIns="91425" bIns="91425" anchor="b" anchorCtr="0">
             <a:normAutofit/>
           </a:bodyPr>
           <a:lstStyle/>
           <a:p>
-            <a:pPr indent="0" lvl="0" marL="0" rtl="0" algn="ctr">
+            <a:pPr marL="0" lvl="0" indent="0" algn="ctr" rtl="0">
               <a:spcBef>
                 <a:spcPts val="0"/>
               </a:spcBef>
@@ -6331,9 +6478,11 @@
       <p:sp>
         <p:nvSpPr>
           <p:cNvPr id="63" name="Google Shape;63;p13"/>
-          <p:cNvSpPr txBox="1"/>
+          <p:cNvSpPr txBox="1">
+            <a:spLocks noGrp="1"/>
+          </p:cNvSpPr>
           <p:nvPr>
-            <p:ph idx="1" type="subTitle"/>
+            <p:ph type="subTitle" idx="1"/>
           </p:nvPr>
         </p:nvSpPr>
         <p:spPr>
@@ -6346,12 +6495,12 @@
           </a:prstGeom>
         </p:spPr>
         <p:txBody>
-          <a:bodyPr anchorCtr="0" anchor="t" bIns="91425" lIns="91425" spcFirstLastPara="1" rIns="91425" wrap="square" tIns="91425">
+          <a:bodyPr spcFirstLastPara="1" wrap="square" lIns="91425" tIns="91425" rIns="91425" bIns="91425" anchor="t" anchorCtr="0">
             <a:normAutofit/>
           </a:bodyPr>
           <a:lstStyle/>
           <a:p>
-            <a:pPr indent="0" lvl="0" marL="0" rtl="0" algn="ctr">
+            <a:pPr marL="0" lvl="0" indent="0" algn="ctr" rtl="0">
               <a:spcBef>
                 <a:spcPts val="0"/>
               </a:spcBef>
@@ -6371,9 +6520,11 @@
       <p:sp>
         <p:nvSpPr>
           <p:cNvPr id="64" name="Google Shape;64;p13"/>
-          <p:cNvSpPr txBox="1"/>
+          <p:cNvSpPr txBox="1">
+            <a:spLocks noGrp="1"/>
+          </p:cNvSpPr>
           <p:nvPr>
-            <p:ph idx="2" type="subTitle"/>
+            <p:ph type="subTitle" idx="2"/>
           </p:nvPr>
         </p:nvSpPr>
         <p:spPr>
@@ -6386,12 +6537,12 @@
           </a:prstGeom>
         </p:spPr>
         <p:txBody>
-          <a:bodyPr anchorCtr="0" anchor="t" bIns="91425" lIns="91425" spcFirstLastPara="1" rIns="91425" wrap="square" tIns="91425">
+          <a:bodyPr spcFirstLastPara="1" wrap="square" lIns="91425" tIns="91425" rIns="91425" bIns="91425" anchor="t" anchorCtr="0">
             <a:normAutofit fontScale="77500" lnSpcReduction="20000"/>
           </a:bodyPr>
           <a:lstStyle/>
           <a:p>
-            <a:pPr indent="0" lvl="0" marL="0" rtl="0" algn="ctr">
+            <a:pPr marL="0" lvl="0" indent="0" algn="ctr" rtl="0">
               <a:spcBef>
                 <a:spcPts val="0"/>
               </a:spcBef>
@@ -6406,13 +6557,13 @@
               <a:buNone/>
             </a:pPr>
             <a:r>
-              <a:rPr lang="en"/>
-              <a:t>Melissa Winstanley</a:t>
+              <a:rPr lang="en-US" dirty="0"/>
+              <a:t>Naomi Alterman</a:t>
             </a:r>
-            <a:endParaRPr/>
+            <a:endParaRPr dirty="0"/>
           </a:p>
           <a:p>
-            <a:pPr indent="0" lvl="0" marL="0" rtl="0" algn="ctr">
+            <a:pPr marL="0" lvl="0" indent="0" algn="ctr" rtl="0">
               <a:spcBef>
                 <a:spcPts val="0"/>
               </a:spcBef>
@@ -6427,13 +6578,13 @@
               <a:buNone/>
             </a:pPr>
             <a:r>
-              <a:rPr lang="en"/>
+              <a:rPr lang="en" dirty="0"/>
               <a:t>University of Washington</a:t>
             </a:r>
-            <a:endParaRPr/>
+            <a:endParaRPr dirty="0"/>
           </a:p>
           <a:p>
-            <a:pPr indent="0" lvl="0" marL="0" rtl="0" algn="ctr">
+            <a:pPr marL="0" lvl="0" indent="0" algn="ctr" rtl="0">
               <a:spcBef>
                 <a:spcPts val="0"/>
               </a:spcBef>
@@ -6448,10 +6599,10 @@
               <a:buNone/>
             </a:pPr>
             <a:r>
-              <a:rPr lang="en"/>
-              <a:t>January 16, 2025</a:t>
+              <a:rPr lang="en" dirty="0"/>
+              <a:t>January 13, 2026</a:t>
             </a:r>
-            <a:endParaRPr/>
+            <a:endParaRPr dirty="0"/>
           </a:p>
         </p:txBody>
       </p:sp>
@@ -6464,11 +6615,11 @@
 </file>
 
 <file path=ppt/slides/slide2.xml><?xml version="1.0" encoding="utf-8"?>
-<p:sld xmlns:a="http://schemas.openxmlformats.org/drawingml/2006/main" xmlns:r="http://schemas.openxmlformats.org/officeDocument/2006/relationships" xmlns:mc="http://schemas.openxmlformats.org/markup-compatibility/2006" xmlns:mv="urn:schemas-microsoft-com:mac:vml" xmlns:p="http://schemas.openxmlformats.org/presentationml/2006/main" xmlns:c="http://schemas.openxmlformats.org/drawingml/2006/chart" xmlns:dgm="http://schemas.openxmlformats.org/drawingml/2006/diagram" xmlns:o="urn:schemas-microsoft-com:office:office" xmlns:v="urn:schemas-microsoft-com:vml" xmlns:pvml="urn:schemas-microsoft-com:office:powerpoint" xmlns:com="http://schemas.openxmlformats.org/drawingml/2006/compatibility" xmlns:p14="http://schemas.microsoft.com/office/powerpoint/2010/main" xmlns:p15="http://schemas.microsoft.com/office/powerpoint/2012/main" xmlns:ahyp="http://schemas.microsoft.com/office/drawing/2018/hyperlinkcolor">
+<p:sld xmlns:a="http://schemas.openxmlformats.org/drawingml/2006/main" xmlns:r="http://schemas.openxmlformats.org/officeDocument/2006/relationships" xmlns:p="http://schemas.openxmlformats.org/presentationml/2006/main">
   <p:cSld>
     <p:spTree>
       <p:nvGrpSpPr>
-        <p:cNvPr id="68" name="Shape 68"/>
+        <p:cNvPr id="1" name="Shape 68"/>
         <p:cNvGrpSpPr/>
         <p:nvPr/>
       </p:nvGrpSpPr>
@@ -6483,7 +6634,9 @@
       <p:sp>
         <p:nvSpPr>
           <p:cNvPr id="69" name="Google Shape;69;p14"/>
-          <p:cNvSpPr txBox="1"/>
+          <p:cNvSpPr txBox="1">
+            <a:spLocks noGrp="1"/>
+          </p:cNvSpPr>
           <p:nvPr>
             <p:ph type="title"/>
           </p:nvPr>
@@ -6498,12 +6651,12 @@
           </a:prstGeom>
         </p:spPr>
         <p:txBody>
-          <a:bodyPr anchorCtr="0" anchor="t" bIns="91425" lIns="91425" spcFirstLastPara="1" rIns="91425" wrap="square" tIns="91425">
+          <a:bodyPr spcFirstLastPara="1" wrap="square" lIns="91425" tIns="91425" rIns="91425" bIns="91425" anchor="t" anchorCtr="0">
             <a:normAutofit fontScale="90000"/>
           </a:bodyPr>
           <a:lstStyle/>
           <a:p>
-            <a:pPr indent="0" lvl="0" marL="0" rtl="0" algn="l">
+            <a:pPr marL="0" lvl="0" indent="0" algn="l" rtl="0">
               <a:spcBef>
                 <a:spcPts val="0"/>
               </a:spcBef>
@@ -6523,9 +6676,11 @@
       <p:sp>
         <p:nvSpPr>
           <p:cNvPr id="70" name="Google Shape;70;p14"/>
-          <p:cNvSpPr txBox="1"/>
+          <p:cNvSpPr txBox="1">
+            <a:spLocks noGrp="1"/>
+          </p:cNvSpPr>
           <p:nvPr>
-            <p:ph idx="1" type="body"/>
+            <p:ph type="body" idx="1"/>
           </p:nvPr>
         </p:nvSpPr>
         <p:spPr>
@@ -6538,12 +6693,12 @@
           </a:prstGeom>
         </p:spPr>
         <p:txBody>
-          <a:bodyPr anchorCtr="0" anchor="t" bIns="91425" lIns="91425" spcFirstLastPara="1" rIns="91425" wrap="square" tIns="91425">
+          <a:bodyPr spcFirstLastPara="1" wrap="square" lIns="91425" tIns="91425" rIns="91425" bIns="91425" anchor="t" anchorCtr="0">
             <a:normAutofit/>
           </a:bodyPr>
           <a:lstStyle/>
           <a:p>
-            <a:pPr indent="0" lvl="0" marL="0" rtl="0" algn="l">
+            <a:pPr marL="0" lvl="0" indent="0" algn="l" rtl="0">
               <a:spcBef>
                 <a:spcPts val="0"/>
               </a:spcBef>
@@ -6569,11 +6724,11 @@
 </file>
 
 <file path=ppt/slides/slide3.xml><?xml version="1.0" encoding="utf-8"?>
-<p:sld xmlns:a="http://schemas.openxmlformats.org/drawingml/2006/main" xmlns:r="http://schemas.openxmlformats.org/officeDocument/2006/relationships" xmlns:mc="http://schemas.openxmlformats.org/markup-compatibility/2006" xmlns:mv="urn:schemas-microsoft-com:mac:vml" xmlns:p="http://schemas.openxmlformats.org/presentationml/2006/main" xmlns:c="http://schemas.openxmlformats.org/drawingml/2006/chart" xmlns:dgm="http://schemas.openxmlformats.org/drawingml/2006/diagram" xmlns:o="urn:schemas-microsoft-com:office:office" xmlns:v="urn:schemas-microsoft-com:vml" xmlns:pvml="urn:schemas-microsoft-com:office:powerpoint" xmlns:com="http://schemas.openxmlformats.org/drawingml/2006/compatibility" xmlns:p14="http://schemas.microsoft.com/office/powerpoint/2010/main" xmlns:p15="http://schemas.microsoft.com/office/powerpoint/2012/main" xmlns:ahyp="http://schemas.microsoft.com/office/drawing/2018/hyperlinkcolor">
+<p:sld xmlns:a="http://schemas.openxmlformats.org/drawingml/2006/main" xmlns:r="http://schemas.openxmlformats.org/officeDocument/2006/relationships" xmlns:p="http://schemas.openxmlformats.org/presentationml/2006/main">
   <p:cSld>
     <p:spTree>
       <p:nvGrpSpPr>
-        <p:cNvPr id="74" name="Shape 74"/>
+        <p:cNvPr id="1" name="Shape 74"/>
         <p:cNvGrpSpPr/>
         <p:nvPr/>
       </p:nvGrpSpPr>
@@ -6588,7 +6743,9 @@
       <p:sp>
         <p:nvSpPr>
           <p:cNvPr id="75" name="Google Shape;75;p15"/>
-          <p:cNvSpPr txBox="1"/>
+          <p:cNvSpPr txBox="1">
+            <a:spLocks noGrp="1"/>
+          </p:cNvSpPr>
           <p:nvPr>
             <p:ph type="title"/>
           </p:nvPr>
@@ -6603,12 +6760,12 @@
           </a:prstGeom>
         </p:spPr>
         <p:txBody>
-          <a:bodyPr anchorCtr="0" anchor="t" bIns="91425" lIns="91425" spcFirstLastPara="1" rIns="91425" wrap="square" tIns="91425">
+          <a:bodyPr spcFirstLastPara="1" wrap="square" lIns="91425" tIns="91425" rIns="91425" bIns="91425" anchor="t" anchorCtr="0">
             <a:normAutofit fontScale="90000"/>
           </a:bodyPr>
           <a:lstStyle/>
           <a:p>
-            <a:pPr indent="0" lvl="0" marL="0" rtl="0" algn="l">
+            <a:pPr marL="0" lvl="0" indent="0" algn="l" rtl="0">
               <a:spcBef>
                 <a:spcPts val="0"/>
               </a:spcBef>
@@ -6628,9 +6785,11 @@
       <p:sp>
         <p:nvSpPr>
           <p:cNvPr id="76" name="Google Shape;76;p15"/>
-          <p:cNvSpPr txBox="1"/>
+          <p:cNvSpPr txBox="1">
+            <a:spLocks noGrp="1"/>
+          </p:cNvSpPr>
           <p:nvPr>
-            <p:ph idx="1" type="body"/>
+            <p:ph type="body" idx="1"/>
           </p:nvPr>
         </p:nvSpPr>
         <p:spPr>
@@ -6643,12 +6802,12 @@
           </a:prstGeom>
         </p:spPr>
         <p:txBody>
-          <a:bodyPr anchorCtr="0" anchor="t" bIns="91425" lIns="91425" spcFirstLastPara="1" rIns="91425" wrap="square" tIns="91425">
+          <a:bodyPr spcFirstLastPara="1" wrap="square" lIns="91425" tIns="91425" rIns="91425" bIns="91425" anchor="t" anchorCtr="0">
             <a:normAutofit/>
           </a:bodyPr>
           <a:lstStyle/>
           <a:p>
-            <a:pPr indent="0" lvl="0" marL="0" rtl="0" algn="l">
+            <a:pPr marL="0" lvl="0" indent="0" algn="l" rtl="0">
               <a:spcBef>
                 <a:spcPts val="0"/>
               </a:spcBef>
@@ -6669,7 +6828,7 @@
             <a:endParaRPr sz="2400"/>
           </a:p>
           <a:p>
-            <a:pPr indent="-381000" lvl="0" marL="457200" rtl="0" algn="l">
+            <a:pPr marL="457200" lvl="0" indent="-381000" algn="l" rtl="0">
               <a:spcBef>
                 <a:spcPts val="1200"/>
               </a:spcBef>
@@ -6686,7 +6845,7 @@
             <a:endParaRPr sz="2400"/>
           </a:p>
           <a:p>
-            <a:pPr indent="-381000" lvl="0" marL="457200" rtl="0" algn="l">
+            <a:pPr marL="457200" lvl="0" indent="-381000" algn="l" rtl="0">
               <a:spcBef>
                 <a:spcPts val="0"/>
               </a:spcBef>
@@ -6703,7 +6862,7 @@
             <a:endParaRPr sz="2400"/>
           </a:p>
           <a:p>
-            <a:pPr indent="-381000" lvl="0" marL="457200" rtl="0" algn="l">
+            <a:pPr marL="457200" lvl="0" indent="-381000" algn="l" rtl="0">
               <a:spcBef>
                 <a:spcPts val="0"/>
               </a:spcBef>
@@ -6730,11 +6889,11 @@
 </file>
 
 <file path=ppt/slides/slide4.xml><?xml version="1.0" encoding="utf-8"?>
-<p:sld xmlns:a="http://schemas.openxmlformats.org/drawingml/2006/main" xmlns:r="http://schemas.openxmlformats.org/officeDocument/2006/relationships" xmlns:mc="http://schemas.openxmlformats.org/markup-compatibility/2006" xmlns:mv="urn:schemas-microsoft-com:mac:vml" xmlns:p="http://schemas.openxmlformats.org/presentationml/2006/main" xmlns:c="http://schemas.openxmlformats.org/drawingml/2006/chart" xmlns:dgm="http://schemas.openxmlformats.org/drawingml/2006/diagram" xmlns:o="urn:schemas-microsoft-com:office:office" xmlns:v="urn:schemas-microsoft-com:vml" xmlns:pvml="urn:schemas-microsoft-com:office:powerpoint" xmlns:com="http://schemas.openxmlformats.org/drawingml/2006/compatibility" xmlns:p14="http://schemas.microsoft.com/office/powerpoint/2010/main" xmlns:p15="http://schemas.microsoft.com/office/powerpoint/2012/main" xmlns:ahyp="http://schemas.microsoft.com/office/drawing/2018/hyperlinkcolor">
+<p:sld xmlns:a="http://schemas.openxmlformats.org/drawingml/2006/main" xmlns:r="http://schemas.openxmlformats.org/officeDocument/2006/relationships" xmlns:p="http://schemas.openxmlformats.org/presentationml/2006/main">
   <p:cSld>
     <p:spTree>
       <p:nvGrpSpPr>
-        <p:cNvPr id="80" name="Shape 80"/>
+        <p:cNvPr id="1" name="Shape 80"/>
         <p:cNvGrpSpPr/>
         <p:nvPr/>
       </p:nvGrpSpPr>
@@ -6749,7 +6908,9 @@
       <p:sp>
         <p:nvSpPr>
           <p:cNvPr id="81" name="Google Shape;81;p16"/>
-          <p:cNvSpPr txBox="1"/>
+          <p:cNvSpPr txBox="1">
+            <a:spLocks noGrp="1"/>
+          </p:cNvSpPr>
           <p:nvPr>
             <p:ph type="title"/>
           </p:nvPr>
@@ -6764,12 +6925,12 @@
           </a:prstGeom>
         </p:spPr>
         <p:txBody>
-          <a:bodyPr anchorCtr="0" anchor="t" bIns="91425" lIns="91425" spcFirstLastPara="1" rIns="91425" wrap="square" tIns="91425">
+          <a:bodyPr spcFirstLastPara="1" wrap="square" lIns="91425" tIns="91425" rIns="91425" bIns="91425" anchor="t" anchorCtr="0">
             <a:normAutofit fontScale="90000"/>
           </a:bodyPr>
           <a:lstStyle/>
           <a:p>
-            <a:pPr indent="0" lvl="0" marL="0" rtl="0" algn="l">
+            <a:pPr marL="0" lvl="0" indent="0" algn="l" rtl="0">
               <a:spcBef>
                 <a:spcPts val="0"/>
               </a:spcBef>
@@ -6789,9 +6950,11 @@
       <p:sp>
         <p:nvSpPr>
           <p:cNvPr id="82" name="Google Shape;82;p16"/>
-          <p:cNvSpPr txBox="1"/>
+          <p:cNvSpPr txBox="1">
+            <a:spLocks noGrp="1"/>
+          </p:cNvSpPr>
           <p:nvPr>
-            <p:ph idx="1" type="body"/>
+            <p:ph type="body" idx="1"/>
           </p:nvPr>
         </p:nvSpPr>
         <p:spPr>
@@ -6804,12 +6967,12 @@
           </a:prstGeom>
         </p:spPr>
         <p:txBody>
-          <a:bodyPr anchorCtr="0" anchor="t" bIns="91425" lIns="91425" spcFirstLastPara="1" rIns="91425" wrap="square" tIns="91425">
+          <a:bodyPr spcFirstLastPara="1" wrap="square" lIns="91425" tIns="91425" rIns="91425" bIns="91425" anchor="t" anchorCtr="0">
             <a:normAutofit/>
           </a:bodyPr>
           <a:lstStyle/>
           <a:p>
-            <a:pPr indent="-368300" lvl="0" marL="457200" rtl="0" algn="l">
+            <a:pPr marL="457200" lvl="0" indent="-368300" algn="l" rtl="0">
               <a:spcBef>
                 <a:spcPts val="0"/>
               </a:spcBef>
@@ -6826,7 +6989,7 @@
             <a:endParaRPr sz="2200"/>
           </a:p>
           <a:p>
-            <a:pPr indent="-342900" lvl="1" marL="914400" rtl="0" algn="l">
+            <a:pPr marL="914400" lvl="1" indent="-342900" algn="l" rtl="0">
               <a:spcBef>
                 <a:spcPts val="0"/>
               </a:spcBef>
@@ -6854,7 +7017,7 @@
             </a:endParaRPr>
           </a:p>
           <a:p>
-            <a:pPr indent="-368300" lvl="0" marL="457200" rtl="0" algn="l">
+            <a:pPr marL="457200" lvl="0" indent="-368300" algn="l" rtl="0">
               <a:spcBef>
                 <a:spcPts val="0"/>
               </a:spcBef>
@@ -6882,7 +7045,7 @@
             </a:endParaRPr>
           </a:p>
           <a:p>
-            <a:pPr indent="-368300" lvl="0" marL="457200" rtl="0" algn="l">
+            <a:pPr marL="457200" lvl="0" indent="-368300" algn="l" rtl="0">
               <a:spcBef>
                 <a:spcPts val="0"/>
               </a:spcBef>
@@ -6899,7 +7062,7 @@
             <a:endParaRPr sz="2200"/>
           </a:p>
           <a:p>
-            <a:pPr indent="-342900" lvl="1" marL="914400" rtl="0" algn="l">
+            <a:pPr marL="914400" lvl="1" indent="-342900" algn="l" rtl="0">
               <a:spcBef>
                 <a:spcPts val="0"/>
               </a:spcBef>
@@ -6927,7 +7090,7 @@
             </a:endParaRPr>
           </a:p>
           <a:p>
-            <a:pPr indent="-368300" lvl="0" marL="457200" rtl="0" algn="l">
+            <a:pPr marL="457200" lvl="0" indent="-368300" algn="l" rtl="0">
               <a:spcBef>
                 <a:spcPts val="0"/>
               </a:spcBef>
@@ -6955,7 +7118,7 @@
             </a:endParaRPr>
           </a:p>
           <a:p>
-            <a:pPr indent="-368300" lvl="0" marL="457200" rtl="0" algn="l">
+            <a:pPr marL="457200" lvl="0" indent="-368300" algn="l" rtl="0">
               <a:spcBef>
                 <a:spcPts val="0"/>
               </a:spcBef>
@@ -6972,7 +7135,7 @@
             <a:endParaRPr sz="2200"/>
           </a:p>
           <a:p>
-            <a:pPr indent="-342900" lvl="1" marL="914400" rtl="0" algn="l">
+            <a:pPr marL="914400" lvl="1" indent="-342900" algn="l" rtl="0">
               <a:spcBef>
                 <a:spcPts val="0"/>
               </a:spcBef>
@@ -7010,11 +7173,11 @@
 </file>
 
 <file path=ppt/slides/slide5.xml><?xml version="1.0" encoding="utf-8"?>
-<p:sld xmlns:a="http://schemas.openxmlformats.org/drawingml/2006/main" xmlns:r="http://schemas.openxmlformats.org/officeDocument/2006/relationships" xmlns:mc="http://schemas.openxmlformats.org/markup-compatibility/2006" xmlns:mv="urn:schemas-microsoft-com:mac:vml" xmlns:p="http://schemas.openxmlformats.org/presentationml/2006/main" xmlns:c="http://schemas.openxmlformats.org/drawingml/2006/chart" xmlns:dgm="http://schemas.openxmlformats.org/drawingml/2006/diagram" xmlns:o="urn:schemas-microsoft-com:office:office" xmlns:v="urn:schemas-microsoft-com:vml" xmlns:pvml="urn:schemas-microsoft-com:office:powerpoint" xmlns:com="http://schemas.openxmlformats.org/drawingml/2006/compatibility" xmlns:p14="http://schemas.microsoft.com/office/powerpoint/2010/main" xmlns:p15="http://schemas.microsoft.com/office/powerpoint/2012/main" xmlns:ahyp="http://schemas.microsoft.com/office/drawing/2018/hyperlinkcolor">
+<p:sld xmlns:a="http://schemas.openxmlformats.org/drawingml/2006/main" xmlns:r="http://schemas.openxmlformats.org/officeDocument/2006/relationships" xmlns:p="http://schemas.openxmlformats.org/presentationml/2006/main">
   <p:cSld>
     <p:spTree>
       <p:nvGrpSpPr>
-        <p:cNvPr id="86" name="Shape 86"/>
+        <p:cNvPr id="1" name="Shape 86"/>
         <p:cNvGrpSpPr/>
         <p:nvPr/>
       </p:nvGrpSpPr>
@@ -7029,7 +7192,9 @@
       <p:sp>
         <p:nvSpPr>
           <p:cNvPr id="87" name="Google Shape;87;p17"/>
-          <p:cNvSpPr txBox="1"/>
+          <p:cNvSpPr txBox="1">
+            <a:spLocks noGrp="1"/>
+          </p:cNvSpPr>
           <p:nvPr>
             <p:ph type="title"/>
           </p:nvPr>
@@ -7044,12 +7209,12 @@
           </a:prstGeom>
         </p:spPr>
         <p:txBody>
-          <a:bodyPr anchorCtr="0" anchor="t" bIns="91425" lIns="91425" spcFirstLastPara="1" rIns="91425" wrap="square" tIns="91425">
+          <a:bodyPr spcFirstLastPara="1" wrap="square" lIns="91425" tIns="91425" rIns="91425" bIns="91425" anchor="t" anchorCtr="0">
             <a:normAutofit fontScale="90000"/>
           </a:bodyPr>
           <a:lstStyle/>
           <a:p>
-            <a:pPr indent="0" lvl="0" marL="0" rtl="0" algn="l">
+            <a:pPr marL="0" lvl="0" indent="0" algn="l" rtl="0">
               <a:spcBef>
                 <a:spcPts val="0"/>
               </a:spcBef>
@@ -7069,9 +7234,11 @@
       <p:sp>
         <p:nvSpPr>
           <p:cNvPr id="88" name="Google Shape;88;p17"/>
-          <p:cNvSpPr txBox="1"/>
+          <p:cNvSpPr txBox="1">
+            <a:spLocks noGrp="1"/>
+          </p:cNvSpPr>
           <p:nvPr>
-            <p:ph idx="1" type="body"/>
+            <p:ph type="body" idx="1"/>
           </p:nvPr>
         </p:nvSpPr>
         <p:spPr>
@@ -7084,12 +7251,12 @@
           </a:prstGeom>
         </p:spPr>
         <p:txBody>
-          <a:bodyPr anchorCtr="0" anchor="t" bIns="91425" lIns="91425" spcFirstLastPara="1" rIns="91425" wrap="square" tIns="91425">
+          <a:bodyPr spcFirstLastPara="1" wrap="square" lIns="91425" tIns="91425" rIns="91425" bIns="91425" anchor="t" anchorCtr="0">
             <a:normAutofit/>
           </a:bodyPr>
           <a:lstStyle/>
           <a:p>
-            <a:pPr indent="0" lvl="0" marL="0" rtl="0" algn="l">
+            <a:pPr marL="0" lvl="0" indent="0" algn="l" rtl="0">
               <a:spcBef>
                 <a:spcPts val="0"/>
               </a:spcBef>
@@ -7115,7 +7282,7 @@
 </file>
 
 <file path=ppt/theme/theme1.xml><?xml version="1.0" encoding="utf-8"?>
-<a:theme xmlns:a="http://schemas.openxmlformats.org/drawingml/2006/main" xmlns:r="http://schemas.openxmlformats.org/officeDocument/2006/relationships" name="Simple Light">
+<a:theme xmlns:a="http://schemas.openxmlformats.org/drawingml/2006/main" name="Simple Light">
   <a:themeElements>
     <a:clrScheme name="Simple Light">
       <a:dk1>
@@ -7390,11 +7557,13 @@
       </a:bgFillStyleLst>
     </a:fmtScheme>
   </a:themeElements>
+  <a:objectDefaults/>
+  <a:extraClrSchemeLst/>
 </a:theme>
 </file>
 
 <file path=ppt/theme/theme2.xml><?xml version="1.0" encoding="utf-8"?>
-<a:theme xmlns:a="http://schemas.openxmlformats.org/drawingml/2006/main" xmlns:r="http://schemas.openxmlformats.org/officeDocument/2006/relationships">
+<a:theme xmlns:a="http://schemas.openxmlformats.org/drawingml/2006/main">
   <a:themeElements>
     <a:clrScheme name="Default">
       <a:dk1>
@@ -7669,5 +7838,7 @@
       </a:bgFillStyleLst>
     </a:fmtScheme>
   </a:themeElements>
+  <a:objectDefaults/>
+  <a:extraClrSchemeLst/>
 </a:theme>
 </file>